--- a/nback-master-new/nback_task_instruction.pptx
+++ b/nback-master-new/nback_task_instruction.pptx
@@ -5,24 +5,26 @@
     <p:sldMasterId id="2147483648" r:id="rId1"/>
   </p:sldMasterIdLst>
   <p:notesMasterIdLst>
-    <p:notesMasterId r:id="rId14"/>
+    <p:notesMasterId r:id="rId16"/>
   </p:notesMasterIdLst>
   <p:handoutMasterIdLst>
-    <p:handoutMasterId r:id="rId15"/>
+    <p:handoutMasterId r:id="rId17"/>
   </p:handoutMasterIdLst>
   <p:sldIdLst>
     <p:sldId id="462" r:id="rId2"/>
     <p:sldId id="633" r:id="rId3"/>
-    <p:sldId id="479" r:id="rId4"/>
-    <p:sldId id="631" r:id="rId5"/>
-    <p:sldId id="632" r:id="rId6"/>
-    <p:sldId id="634" r:id="rId7"/>
-    <p:sldId id="635" r:id="rId8"/>
-    <p:sldId id="636" r:id="rId9"/>
-    <p:sldId id="637" r:id="rId10"/>
-    <p:sldId id="474" r:id="rId11"/>
-    <p:sldId id="618" r:id="rId12"/>
-    <p:sldId id="605" r:id="rId13"/>
+    <p:sldId id="638" r:id="rId4"/>
+    <p:sldId id="479" r:id="rId5"/>
+    <p:sldId id="631" r:id="rId6"/>
+    <p:sldId id="632" r:id="rId7"/>
+    <p:sldId id="634" r:id="rId8"/>
+    <p:sldId id="639" r:id="rId9"/>
+    <p:sldId id="635" r:id="rId10"/>
+    <p:sldId id="636" r:id="rId11"/>
+    <p:sldId id="637" r:id="rId12"/>
+    <p:sldId id="474" r:id="rId13"/>
+    <p:sldId id="618" r:id="rId14"/>
+    <p:sldId id="605" r:id="rId15"/>
   </p:sldIdLst>
   <p:sldSz cx="12192000" cy="6858000"/>
   <p:notesSz cx="6858000" cy="9144000"/>
@@ -259,7 +261,7 @@
           <a:p>
             <a:fld id="{BD82A94B-8595-419C-BF57-D51AB33609D1}" type="datetimeFigureOut">
               <a:rPr lang="en-US" smtClean="0"/>
-              <a:t>2/22/2024</a:t>
+              <a:t>2/26/2024</a:t>
             </a:fld>
             <a:endParaRPr lang="en-US" dirty="0"/>
           </a:p>
@@ -436,7 +438,7 @@
           <a:p>
             <a:fld id="{652BB16F-2169-4A0F-818F-214041E36035}" type="datetimeFigureOut">
               <a:rPr lang="en-GB" smtClean="0"/>
-              <a:t>22/02/2024</a:t>
+              <a:t>26/02/2024</a:t>
             </a:fld>
             <a:endParaRPr lang="en-GB" dirty="0"/>
           </a:p>
@@ -836,6 +838,10 @@
           <a:bodyPr/>
           <a:lstStyle/>
           <a:p>
+            <a:r>
+              <a:rPr lang="en-US" altLang="zh-HK" dirty="0"/>
+              <a:t>S1 onset</a:t>
+            </a:r>
             <a:endParaRPr lang="zh-HK" altLang="en-US" dirty="0"/>
           </a:p>
         </p:txBody>
@@ -847,7 +853,7 @@
             <a:spLocks noGrp="1"/>
           </p:cNvSpPr>
           <p:nvPr>
-            <p:ph type="sldNum" sz="quarter" idx="10"/>
+            <p:ph type="sldNum" sz="quarter" idx="5"/>
           </p:nvPr>
         </p:nvSpPr>
         <p:spPr/>
@@ -855,9 +861,181 @@
           <a:bodyPr/>
           <a:lstStyle/>
           <a:p>
+            <a:fld id="{EFB1C814-5629-4CB9-A579-94B764A1EBE2}" type="slidenum">
+              <a:rPr lang="zh-HK" altLang="en-US" smtClean="0"/>
+              <a:t>10</a:t>
+            </a:fld>
+            <a:endParaRPr lang="zh-HK" altLang="en-US"/>
+          </a:p>
+        </p:txBody>
+      </p:sp>
+    </p:spTree>
+    <p:extLst>
+      <p:ext uri="{BB962C8B-B14F-4D97-AF65-F5344CB8AC3E}">
+        <p14:creationId xmlns:p14="http://schemas.microsoft.com/office/powerpoint/2010/main" val="4026056606"/>
+      </p:ext>
+    </p:extLst>
+  </p:cSld>
+  <p:clrMapOvr>
+    <a:masterClrMapping/>
+  </p:clrMapOvr>
+</p:notes>
+</file>
+
+<file path=ppt/notesSlides/notesSlide11.xml><?xml version="1.0" encoding="utf-8"?>
+<p:notes xmlns:a="http://schemas.openxmlformats.org/drawingml/2006/main" xmlns:r="http://schemas.openxmlformats.org/officeDocument/2006/relationships" xmlns:p="http://schemas.openxmlformats.org/presentationml/2006/main">
+  <p:cSld>
+    <p:spTree>
+      <p:nvGrpSpPr>
+        <p:cNvPr id="1" name=""/>
+        <p:cNvGrpSpPr/>
+        <p:nvPr/>
+      </p:nvGrpSpPr>
+      <p:grpSpPr>
+        <a:xfrm>
+          <a:off x="0" y="0"/>
+          <a:ext cx="0" cy="0"/>
+          <a:chOff x="0" y="0"/>
+          <a:chExt cx="0" cy="0"/>
+        </a:xfrm>
+      </p:grpSpPr>
+      <p:sp>
+        <p:nvSpPr>
+          <p:cNvPr id="2" name="Slide Image Placeholder 1"/>
+          <p:cNvSpPr>
+            <a:spLocks noGrp="1" noRot="1" noChangeAspect="1"/>
+          </p:cNvSpPr>
+          <p:nvPr>
+            <p:ph type="sldImg"/>
+          </p:nvPr>
+        </p:nvSpPr>
+        <p:spPr/>
+      </p:sp>
+      <p:sp>
+        <p:nvSpPr>
+          <p:cNvPr id="3" name="Notes Placeholder 2"/>
+          <p:cNvSpPr>
+            <a:spLocks noGrp="1"/>
+          </p:cNvSpPr>
+          <p:nvPr>
+            <p:ph type="body" idx="1"/>
+          </p:nvPr>
+        </p:nvSpPr>
+        <p:spPr/>
+        <p:txBody>
+          <a:bodyPr/>
+          <a:lstStyle/>
+          <a:p>
+            <a:r>
+              <a:rPr lang="en-US" altLang="zh-HK" dirty="0"/>
+              <a:t>S1 onset</a:t>
+            </a:r>
+            <a:endParaRPr lang="zh-HK" altLang="en-US" dirty="0"/>
+          </a:p>
+        </p:txBody>
+      </p:sp>
+      <p:sp>
+        <p:nvSpPr>
+          <p:cNvPr id="4" name="Slide Number Placeholder 3"/>
+          <p:cNvSpPr>
+            <a:spLocks noGrp="1"/>
+          </p:cNvSpPr>
+          <p:nvPr>
+            <p:ph type="sldNum" sz="quarter" idx="5"/>
+          </p:nvPr>
+        </p:nvSpPr>
+        <p:spPr/>
+        <p:txBody>
+          <a:bodyPr/>
+          <a:lstStyle/>
+          <a:p>
+            <a:fld id="{EFB1C814-5629-4CB9-A579-94B764A1EBE2}" type="slidenum">
+              <a:rPr lang="zh-HK" altLang="en-US" smtClean="0"/>
+              <a:t>11</a:t>
+            </a:fld>
+            <a:endParaRPr lang="zh-HK" altLang="en-US"/>
+          </a:p>
+        </p:txBody>
+      </p:sp>
+    </p:spTree>
+    <p:extLst>
+      <p:ext uri="{BB962C8B-B14F-4D97-AF65-F5344CB8AC3E}">
+        <p14:creationId xmlns:p14="http://schemas.microsoft.com/office/powerpoint/2010/main" val="530876909"/>
+      </p:ext>
+    </p:extLst>
+  </p:cSld>
+  <p:clrMapOvr>
+    <a:masterClrMapping/>
+  </p:clrMapOvr>
+</p:notes>
+</file>
+
+<file path=ppt/notesSlides/notesSlide12.xml><?xml version="1.0" encoding="utf-8"?>
+<p:notes xmlns:a="http://schemas.openxmlformats.org/drawingml/2006/main" xmlns:r="http://schemas.openxmlformats.org/officeDocument/2006/relationships" xmlns:p="http://schemas.openxmlformats.org/presentationml/2006/main">
+  <p:cSld>
+    <p:spTree>
+      <p:nvGrpSpPr>
+        <p:cNvPr id="1" name=""/>
+        <p:cNvGrpSpPr/>
+        <p:nvPr/>
+      </p:nvGrpSpPr>
+      <p:grpSpPr>
+        <a:xfrm>
+          <a:off x="0" y="0"/>
+          <a:ext cx="0" cy="0"/>
+          <a:chOff x="0" y="0"/>
+          <a:chExt cx="0" cy="0"/>
+        </a:xfrm>
+      </p:grpSpPr>
+      <p:sp>
+        <p:nvSpPr>
+          <p:cNvPr id="2" name="Slide Image Placeholder 1"/>
+          <p:cNvSpPr>
+            <a:spLocks noGrp="1" noRot="1" noChangeAspect="1"/>
+          </p:cNvSpPr>
+          <p:nvPr>
+            <p:ph type="sldImg"/>
+          </p:nvPr>
+        </p:nvSpPr>
+        <p:spPr/>
+      </p:sp>
+      <p:sp>
+        <p:nvSpPr>
+          <p:cNvPr id="3" name="Notes Placeholder 2"/>
+          <p:cNvSpPr>
+            <a:spLocks noGrp="1"/>
+          </p:cNvSpPr>
+          <p:nvPr>
+            <p:ph type="body" idx="1"/>
+          </p:nvPr>
+        </p:nvSpPr>
+        <p:spPr/>
+        <p:txBody>
+          <a:bodyPr/>
+          <a:lstStyle/>
+          <a:p>
+            <a:endParaRPr lang="zh-HK" altLang="en-US" dirty="0"/>
+          </a:p>
+        </p:txBody>
+      </p:sp>
+      <p:sp>
+        <p:nvSpPr>
+          <p:cNvPr id="4" name="Slide Number Placeholder 3"/>
+          <p:cNvSpPr>
+            <a:spLocks noGrp="1"/>
+          </p:cNvSpPr>
+          <p:nvPr>
+            <p:ph type="sldNum" sz="quarter" idx="10"/>
+          </p:nvPr>
+        </p:nvSpPr>
+        <p:spPr/>
+        <p:txBody>
+          <a:bodyPr/>
+          <a:lstStyle/>
+          <a:p>
             <a:fld id="{85522B51-E2AB-4BF4-A91F-416D8CC31592}" type="slidenum">
               <a:rPr lang="en-GB" smtClean="0"/>
-              <a:t>10</a:t>
+              <a:t>12</a:t>
             </a:fld>
             <a:endParaRPr lang="en-GB" dirty="0"/>
           </a:p>
@@ -1042,7 +1220,7 @@
     </p:spTree>
     <p:extLst>
       <p:ext uri="{BB962C8B-B14F-4D97-AF65-F5344CB8AC3E}">
-        <p14:creationId xmlns:p14="http://schemas.microsoft.com/office/powerpoint/2010/main" val="1495966499"/>
+        <p14:creationId xmlns:p14="http://schemas.microsoft.com/office/powerpoint/2010/main" val="4020147855"/>
       </p:ext>
     </p:extLst>
   </p:cSld>
@@ -1130,7 +1308,7 @@
     </p:spTree>
     <p:extLst>
       <p:ext uri="{BB962C8B-B14F-4D97-AF65-F5344CB8AC3E}">
-        <p14:creationId xmlns:p14="http://schemas.microsoft.com/office/powerpoint/2010/main" val="1756373982"/>
+        <p14:creationId xmlns:p14="http://schemas.microsoft.com/office/powerpoint/2010/main" val="1495966499"/>
       </p:ext>
     </p:extLst>
   </p:cSld>
@@ -1218,7 +1396,7 @@
     </p:spTree>
     <p:extLst>
       <p:ext uri="{BB962C8B-B14F-4D97-AF65-F5344CB8AC3E}">
-        <p14:creationId xmlns:p14="http://schemas.microsoft.com/office/powerpoint/2010/main" val="57024265"/>
+        <p14:creationId xmlns:p14="http://schemas.microsoft.com/office/powerpoint/2010/main" val="1756373982"/>
       </p:ext>
     </p:extLst>
   </p:cSld>
@@ -1306,7 +1484,7 @@
     </p:spTree>
     <p:extLst>
       <p:ext uri="{BB962C8B-B14F-4D97-AF65-F5344CB8AC3E}">
-        <p14:creationId xmlns:p14="http://schemas.microsoft.com/office/powerpoint/2010/main" val="701147385"/>
+        <p14:creationId xmlns:p14="http://schemas.microsoft.com/office/powerpoint/2010/main" val="57024265"/>
       </p:ext>
     </p:extLst>
   </p:cSld>
@@ -1394,7 +1572,7 @@
     </p:spTree>
     <p:extLst>
       <p:ext uri="{BB962C8B-B14F-4D97-AF65-F5344CB8AC3E}">
-        <p14:creationId xmlns:p14="http://schemas.microsoft.com/office/powerpoint/2010/main" val="802671079"/>
+        <p14:creationId xmlns:p14="http://schemas.microsoft.com/office/powerpoint/2010/main" val="701147385"/>
       </p:ext>
     </p:extLst>
   </p:cSld>
@@ -1482,7 +1660,7 @@
     </p:spTree>
     <p:extLst>
       <p:ext uri="{BB962C8B-B14F-4D97-AF65-F5344CB8AC3E}">
-        <p14:creationId xmlns:p14="http://schemas.microsoft.com/office/powerpoint/2010/main" val="4026056606"/>
+        <p14:creationId xmlns:p14="http://schemas.microsoft.com/office/powerpoint/2010/main" val="3694924354"/>
       </p:ext>
     </p:extLst>
   </p:cSld>
@@ -1570,7 +1748,7 @@
     </p:spTree>
     <p:extLst>
       <p:ext uri="{BB962C8B-B14F-4D97-AF65-F5344CB8AC3E}">
-        <p14:creationId xmlns:p14="http://schemas.microsoft.com/office/powerpoint/2010/main" val="530876909"/>
+        <p14:creationId xmlns:p14="http://schemas.microsoft.com/office/powerpoint/2010/main" val="802671079"/>
       </p:ext>
     </p:extLst>
   </p:cSld>
@@ -1719,7 +1897,7 @@
           <a:p>
             <a:fld id="{724A9933-0BD2-45EA-8819-99110733ED14}" type="datetimeFigureOut">
               <a:rPr lang="en-GB" smtClean="0"/>
-              <a:t>22/02/2024</a:t>
+              <a:t>26/02/2024</a:t>
             </a:fld>
             <a:endParaRPr lang="en-GB" dirty="0"/>
           </a:p>
@@ -1889,7 +2067,7 @@
           <a:p>
             <a:fld id="{724A9933-0BD2-45EA-8819-99110733ED14}" type="datetimeFigureOut">
               <a:rPr lang="en-GB" smtClean="0"/>
-              <a:t>22/02/2024</a:t>
+              <a:t>26/02/2024</a:t>
             </a:fld>
             <a:endParaRPr lang="en-GB" dirty="0"/>
           </a:p>
@@ -2069,7 +2247,7 @@
           <a:p>
             <a:fld id="{724A9933-0BD2-45EA-8819-99110733ED14}" type="datetimeFigureOut">
               <a:rPr lang="en-GB" smtClean="0"/>
-              <a:t>22/02/2024</a:t>
+              <a:t>26/02/2024</a:t>
             </a:fld>
             <a:endParaRPr lang="en-GB" dirty="0"/>
           </a:p>
@@ -2283,7 +2461,7 @@
           <a:p>
             <a:fld id="{724A9933-0BD2-45EA-8819-99110733ED14}" type="datetimeFigureOut">
               <a:rPr lang="en-GB" smtClean="0"/>
-              <a:t>22/02/2024</a:t>
+              <a:t>26/02/2024</a:t>
             </a:fld>
             <a:endParaRPr lang="en-GB" dirty="0"/>
           </a:p>
@@ -2529,7 +2707,7 @@
           <a:p>
             <a:fld id="{724A9933-0BD2-45EA-8819-99110733ED14}" type="datetimeFigureOut">
               <a:rPr lang="en-GB" smtClean="0"/>
-              <a:t>22/02/2024</a:t>
+              <a:t>26/02/2024</a:t>
             </a:fld>
             <a:endParaRPr lang="en-GB" dirty="0"/>
           </a:p>
@@ -2761,7 +2939,7 @@
           <a:p>
             <a:fld id="{724A9933-0BD2-45EA-8819-99110733ED14}" type="datetimeFigureOut">
               <a:rPr lang="en-GB" smtClean="0"/>
-              <a:t>22/02/2024</a:t>
+              <a:t>26/02/2024</a:t>
             </a:fld>
             <a:endParaRPr lang="en-GB" dirty="0"/>
           </a:p>
@@ -3128,7 +3306,7 @@
           <a:p>
             <a:fld id="{724A9933-0BD2-45EA-8819-99110733ED14}" type="datetimeFigureOut">
               <a:rPr lang="en-GB" smtClean="0"/>
-              <a:t>22/02/2024</a:t>
+              <a:t>26/02/2024</a:t>
             </a:fld>
             <a:endParaRPr lang="en-GB" dirty="0"/>
           </a:p>
@@ -3246,7 +3424,7 @@
           <a:p>
             <a:fld id="{724A9933-0BD2-45EA-8819-99110733ED14}" type="datetimeFigureOut">
               <a:rPr lang="en-GB" smtClean="0"/>
-              <a:t>22/02/2024</a:t>
+              <a:t>26/02/2024</a:t>
             </a:fld>
             <a:endParaRPr lang="en-GB" dirty="0"/>
           </a:p>
@@ -3341,7 +3519,7 @@
           <a:p>
             <a:fld id="{724A9933-0BD2-45EA-8819-99110733ED14}" type="datetimeFigureOut">
               <a:rPr lang="en-GB" smtClean="0"/>
-              <a:t>22/02/2024</a:t>
+              <a:t>26/02/2024</a:t>
             </a:fld>
             <a:endParaRPr lang="en-GB" dirty="0"/>
           </a:p>
@@ -3618,7 +3796,7 @@
           <a:p>
             <a:fld id="{724A9933-0BD2-45EA-8819-99110733ED14}" type="datetimeFigureOut">
               <a:rPr lang="en-GB" smtClean="0"/>
-              <a:t>22/02/2024</a:t>
+              <a:t>26/02/2024</a:t>
             </a:fld>
             <a:endParaRPr lang="en-GB" dirty="0"/>
           </a:p>
@@ -3871,7 +4049,7 @@
           <a:p>
             <a:fld id="{724A9933-0BD2-45EA-8819-99110733ED14}" type="datetimeFigureOut">
               <a:rPr lang="en-GB" smtClean="0"/>
-              <a:t>22/02/2024</a:t>
+              <a:t>26/02/2024</a:t>
             </a:fld>
             <a:endParaRPr lang="en-GB" dirty="0"/>
           </a:p>
@@ -4087,7 +4265,7 @@
           <a:p>
             <a:fld id="{724A9933-0BD2-45EA-8819-99110733ED14}" type="datetimeFigureOut">
               <a:rPr lang="en-GB" smtClean="0"/>
-              <a:t>22/02/2024</a:t>
+              <a:t>26/02/2024</a:t>
             </a:fld>
             <a:endParaRPr lang="en-GB" dirty="0"/>
           </a:p>
@@ -4644,55 +4822,6 @@
       </p:sp>
       <p:sp>
         <p:nvSpPr>
-          <p:cNvPr id="6" name="TextBox 5">
-            <a:extLst>
-              <a:ext uri="{FF2B5EF4-FFF2-40B4-BE49-F238E27FC236}">
-                <a16:creationId xmlns:a16="http://schemas.microsoft.com/office/drawing/2014/main" id="{541B4423-7DF2-4F6F-99D2-65967894D5D0}"/>
-              </a:ext>
-            </a:extLst>
-          </p:cNvPr>
-          <p:cNvSpPr txBox="1"/>
-          <p:nvPr/>
-        </p:nvSpPr>
-        <p:spPr>
-          <a:xfrm>
-            <a:off x="1670999" y="5786819"/>
-            <a:ext cx="8849999" cy="584775"/>
-          </a:xfrm>
-          <a:prstGeom prst="rect">
-            <a:avLst/>
-          </a:prstGeom>
-          <a:noFill/>
-        </p:spPr>
-        <p:txBody>
-          <a:bodyPr wrap="square" rtlCol="0">
-            <a:spAutoFit/>
-          </a:bodyPr>
-          <a:lstStyle/>
-          <a:p>
-            <a:pPr algn="ctr">
-              <a:spcBef>
-                <a:spcPts val="1800"/>
-              </a:spcBef>
-            </a:pPr>
-            <a:r>
-              <a:rPr lang="zh-CN" altLang="en-US" sz="3200" dirty="0">
-                <a:solidFill>
-                  <a:schemeClr val="bg1"/>
-                </a:solidFill>
-              </a:rPr>
-              <a:t>判斷現在顯示的照片與兩張前的照片是否一樣</a:t>
-            </a:r>
-            <a:endParaRPr lang="en-HK" altLang="zh-CN" sz="3200" dirty="0">
-              <a:solidFill>
-                <a:schemeClr val="bg1"/>
-              </a:solidFill>
-            </a:endParaRPr>
-          </a:p>
-        </p:txBody>
-      </p:sp>
-      <p:sp>
-        <p:nvSpPr>
           <p:cNvPr id="7" name="TextBox 6">
             <a:extLst>
               <a:ext uri="{FF2B5EF4-FFF2-40B4-BE49-F238E27FC236}">
@@ -4770,51 +4899,40 @@
           <a:chExt cx="0" cy="0"/>
         </a:xfrm>
       </p:grpSpPr>
-      <p:sp>
-        <p:nvSpPr>
-          <p:cNvPr id="2" name="TextBox 1">
+      <p:pic>
+        <p:nvPicPr>
+          <p:cNvPr id="4" name="Picture 3">
             <a:extLst>
               <a:ext uri="{FF2B5EF4-FFF2-40B4-BE49-F238E27FC236}">
-                <a16:creationId xmlns:a16="http://schemas.microsoft.com/office/drawing/2014/main" id="{EF431EDF-338B-459C-A0D1-CA610995C1F2}"/>
+                <a16:creationId xmlns:a16="http://schemas.microsoft.com/office/drawing/2014/main" id="{6E3C403F-77B2-4BA7-A104-34B62A06EDFC}"/>
               </a:ext>
             </a:extLst>
           </p:cNvPr>
-          <p:cNvSpPr txBox="1"/>
+          <p:cNvPicPr>
+            <a:picLocks noChangeAspect="1"/>
+          </p:cNvPicPr>
           <p:nvPr/>
-        </p:nvSpPr>
+        </p:nvPicPr>
+        <p:blipFill>
+          <a:blip r:embed="rId3"/>
+          <a:stretch>
+            <a:fillRect/>
+          </a:stretch>
+        </p:blipFill>
         <p:spPr>
           <a:xfrm>
-            <a:off x="5574258" y="2497976"/>
-            <a:ext cx="1043483" cy="1862048"/>
+            <a:off x="609600" y="0"/>
+            <a:ext cx="10972800" cy="6858000"/>
           </a:xfrm>
           <a:prstGeom prst="rect">
             <a:avLst/>
           </a:prstGeom>
-          <a:noFill/>
         </p:spPr>
-        <p:txBody>
-          <a:bodyPr wrap="square" rtlCol="0">
-            <a:spAutoFit/>
-          </a:bodyPr>
-          <a:lstStyle/>
-          <a:p>
-            <a:r>
-              <a:rPr lang="en-US" sz="11500" dirty="0">
-                <a:solidFill>
-                  <a:schemeClr val="bg1"/>
-                </a:solidFill>
-                <a:latin typeface="Arial" panose="020B0604020202020204" pitchFamily="34" charset="0"/>
-                <a:cs typeface="Arial" panose="020B0604020202020204" pitchFamily="34" charset="0"/>
-              </a:rPr>
-              <a:t>+</a:t>
-            </a:r>
-          </a:p>
-        </p:txBody>
-      </p:sp>
+      </p:pic>
     </p:spTree>
     <p:extLst>
       <p:ext uri="{BB962C8B-B14F-4D97-AF65-F5344CB8AC3E}">
-        <p14:creationId xmlns:p14="http://schemas.microsoft.com/office/powerpoint/2010/main" val="2264765009"/>
+        <p14:creationId xmlns:p14="http://schemas.microsoft.com/office/powerpoint/2010/main" val="3892536213"/>
       </p:ext>
     </p:extLst>
   </p:cSld>
@@ -4841,6 +4959,137 @@
           <a:chExt cx="0" cy="0"/>
         </a:xfrm>
       </p:grpSpPr>
+      <p:pic>
+        <p:nvPicPr>
+          <p:cNvPr id="3" name="Picture 2">
+            <a:extLst>
+              <a:ext uri="{FF2B5EF4-FFF2-40B4-BE49-F238E27FC236}">
+                <a16:creationId xmlns:a16="http://schemas.microsoft.com/office/drawing/2014/main" id="{36131F50-8FB3-4F6A-866F-DD7F381E60DD}"/>
+              </a:ext>
+            </a:extLst>
+          </p:cNvPr>
+          <p:cNvPicPr>
+            <a:picLocks noChangeAspect="1"/>
+          </p:cNvPicPr>
+          <p:nvPr/>
+        </p:nvPicPr>
+        <p:blipFill>
+          <a:blip r:embed="rId3"/>
+          <a:stretch>
+            <a:fillRect/>
+          </a:stretch>
+        </p:blipFill>
+        <p:spPr>
+          <a:xfrm>
+            <a:off x="609600" y="0"/>
+            <a:ext cx="10972800" cy="6858000"/>
+          </a:xfrm>
+          <a:prstGeom prst="rect">
+            <a:avLst/>
+          </a:prstGeom>
+        </p:spPr>
+      </p:pic>
+    </p:spTree>
+    <p:extLst>
+      <p:ext uri="{BB962C8B-B14F-4D97-AF65-F5344CB8AC3E}">
+        <p14:creationId xmlns:p14="http://schemas.microsoft.com/office/powerpoint/2010/main" val="3393783534"/>
+      </p:ext>
+    </p:extLst>
+  </p:cSld>
+  <p:clrMapOvr>
+    <a:masterClrMapping/>
+  </p:clrMapOvr>
+</p:sld>
+</file>
+
+<file path=ppt/slides/slide12.xml><?xml version="1.0" encoding="utf-8"?>
+<p:sld xmlns:a="http://schemas.openxmlformats.org/drawingml/2006/main" xmlns:r="http://schemas.openxmlformats.org/officeDocument/2006/relationships" xmlns:p="http://schemas.openxmlformats.org/presentationml/2006/main">
+  <p:cSld>
+    <p:spTree>
+      <p:nvGrpSpPr>
+        <p:cNvPr id="1" name=""/>
+        <p:cNvGrpSpPr/>
+        <p:nvPr/>
+      </p:nvGrpSpPr>
+      <p:grpSpPr>
+        <a:xfrm>
+          <a:off x="0" y="0"/>
+          <a:ext cx="0" cy="0"/>
+          <a:chOff x="0" y="0"/>
+          <a:chExt cx="0" cy="0"/>
+        </a:xfrm>
+      </p:grpSpPr>
+      <p:sp>
+        <p:nvSpPr>
+          <p:cNvPr id="2" name="TextBox 1">
+            <a:extLst>
+              <a:ext uri="{FF2B5EF4-FFF2-40B4-BE49-F238E27FC236}">
+                <a16:creationId xmlns:a16="http://schemas.microsoft.com/office/drawing/2014/main" id="{EF431EDF-338B-459C-A0D1-CA610995C1F2}"/>
+              </a:ext>
+            </a:extLst>
+          </p:cNvPr>
+          <p:cNvSpPr txBox="1"/>
+          <p:nvPr/>
+        </p:nvSpPr>
+        <p:spPr>
+          <a:xfrm>
+            <a:off x="5574258" y="2497976"/>
+            <a:ext cx="1043483" cy="1862048"/>
+          </a:xfrm>
+          <a:prstGeom prst="rect">
+            <a:avLst/>
+          </a:prstGeom>
+          <a:noFill/>
+        </p:spPr>
+        <p:txBody>
+          <a:bodyPr wrap="square" rtlCol="0">
+            <a:spAutoFit/>
+          </a:bodyPr>
+          <a:lstStyle/>
+          <a:p>
+            <a:r>
+              <a:rPr lang="en-US" sz="11500" dirty="0">
+                <a:solidFill>
+                  <a:schemeClr val="bg1"/>
+                </a:solidFill>
+                <a:latin typeface="Arial" panose="020B0604020202020204" pitchFamily="34" charset="0"/>
+                <a:cs typeface="Arial" panose="020B0604020202020204" pitchFamily="34" charset="0"/>
+              </a:rPr>
+              <a:t>+</a:t>
+            </a:r>
+          </a:p>
+        </p:txBody>
+      </p:sp>
+    </p:spTree>
+    <p:extLst>
+      <p:ext uri="{BB962C8B-B14F-4D97-AF65-F5344CB8AC3E}">
+        <p14:creationId xmlns:p14="http://schemas.microsoft.com/office/powerpoint/2010/main" val="2264765009"/>
+      </p:ext>
+    </p:extLst>
+  </p:cSld>
+  <p:clrMapOvr>
+    <a:masterClrMapping/>
+  </p:clrMapOvr>
+</p:sld>
+</file>
+
+<file path=ppt/slides/slide13.xml><?xml version="1.0" encoding="utf-8"?>
+<p:sld xmlns:a="http://schemas.openxmlformats.org/drawingml/2006/main" xmlns:r="http://schemas.openxmlformats.org/officeDocument/2006/relationships" xmlns:p="http://schemas.openxmlformats.org/presentationml/2006/main">
+  <p:cSld>
+    <p:spTree>
+      <p:nvGrpSpPr>
+        <p:cNvPr id="1" name=""/>
+        <p:cNvGrpSpPr/>
+        <p:nvPr/>
+      </p:nvGrpSpPr>
+      <p:grpSpPr>
+        <a:xfrm>
+          <a:off x="0" y="0"/>
+          <a:ext cx="0" cy="0"/>
+          <a:chOff x="0" y="0"/>
+          <a:chExt cx="0" cy="0"/>
+        </a:xfrm>
+      </p:grpSpPr>
       <p:sp>
         <p:nvSpPr>
           <p:cNvPr id="2" name="標題 1"/>
@@ -4893,7 +5142,7 @@
 </p:sld>
 </file>
 
-<file path=ppt/slides/slide12.xml><?xml version="1.0" encoding="utf-8"?>
+<file path=ppt/slides/slide14.xml><?xml version="1.0" encoding="utf-8"?>
 <p:sld xmlns:a="http://schemas.openxmlformats.org/drawingml/2006/main" xmlns:r="http://schemas.openxmlformats.org/officeDocument/2006/relationships" xmlns:p="http://schemas.openxmlformats.org/presentationml/2006/main">
   <p:cSld>
     <p:spTree>
@@ -5132,110 +5381,366 @@
           </a:p>
         </p:txBody>
       </p:sp>
-      <p:sp>
-        <p:nvSpPr>
-          <p:cNvPr id="7" name="TextBox 6">
+      <p:pic>
+        <p:nvPicPr>
+          <p:cNvPr id="4" name="Graphic 3" descr="Apple with solid fill">
             <a:extLst>
               <a:ext uri="{FF2B5EF4-FFF2-40B4-BE49-F238E27FC236}">
-                <a16:creationId xmlns:a16="http://schemas.microsoft.com/office/drawing/2014/main" id="{7D486842-673C-4A30-9F4F-1B56A557976E}"/>
+                <a16:creationId xmlns:a16="http://schemas.microsoft.com/office/drawing/2014/main" id="{368E982C-CD1C-4244-82D5-D0AC3915C726}"/>
               </a:ext>
             </a:extLst>
           </p:cNvPr>
-          <p:cNvSpPr txBox="1"/>
+          <p:cNvPicPr>
+            <a:picLocks noChangeAspect="1"/>
+          </p:cNvPicPr>
           <p:nvPr/>
-        </p:nvSpPr>
+        </p:nvPicPr>
+        <p:blipFill>
+          <a:blip r:embed="rId3">
+            <a:extLst>
+              <a:ext uri="{96DAC541-7B7A-43D3-8B79-37D633B846F1}">
+                <asvg:svgBlip xmlns:asvg="http://schemas.microsoft.com/office/drawing/2016/SVG/main" r:embed="rId4"/>
+              </a:ext>
+            </a:extLst>
+          </a:blip>
+          <a:stretch>
+            <a:fillRect/>
+          </a:stretch>
+        </p:blipFill>
         <p:spPr>
           <a:xfrm>
-            <a:off x="-224368" y="4337747"/>
-            <a:ext cx="3610138" cy="584775"/>
+            <a:off x="2875298" y="4275462"/>
+            <a:ext cx="914400" cy="914400"/>
           </a:xfrm>
           <a:prstGeom prst="rect">
             <a:avLst/>
           </a:prstGeom>
-          <a:noFill/>
         </p:spPr>
-        <p:txBody>
-          <a:bodyPr wrap="square" rtlCol="0">
-            <a:spAutoFit/>
-          </a:bodyPr>
-          <a:lstStyle/>
-          <a:p>
-            <a:pPr algn="ctr">
-              <a:spcBef>
-                <a:spcPts val="1800"/>
-              </a:spcBef>
-            </a:pPr>
-            <a:r>
-              <a:rPr lang="zh-CN" altLang="en-US" sz="3200" dirty="0">
-                <a:solidFill>
-                  <a:schemeClr val="bg1"/>
-                </a:solidFill>
-              </a:rPr>
-              <a:t>目標</a:t>
-            </a:r>
-            <a:endParaRPr lang="en-HK" altLang="zh-CN" sz="3200" dirty="0">
-              <a:solidFill>
-                <a:schemeClr val="bg1"/>
-              </a:solidFill>
-            </a:endParaRPr>
-          </a:p>
-        </p:txBody>
-      </p:sp>
-      <p:sp>
-        <p:nvSpPr>
-          <p:cNvPr id="8" name="TextBox 7">
+      </p:pic>
+      <p:pic>
+        <p:nvPicPr>
+          <p:cNvPr id="10" name="Graphic 9" descr="Fish with solid fill">
             <a:extLst>
               <a:ext uri="{FF2B5EF4-FFF2-40B4-BE49-F238E27FC236}">
-                <a16:creationId xmlns:a16="http://schemas.microsoft.com/office/drawing/2014/main" id="{E9FADBE2-E88C-4B61-ABD5-7CEDB69C57A0}"/>
+                <a16:creationId xmlns:a16="http://schemas.microsoft.com/office/drawing/2014/main" id="{25D5C542-7787-4E37-A480-A8BE3E00BDCB}"/>
               </a:ext>
             </a:extLst>
           </p:cNvPr>
-          <p:cNvSpPr txBox="1"/>
+          <p:cNvPicPr>
+            <a:picLocks noChangeAspect="1"/>
+          </p:cNvPicPr>
           <p:nvPr/>
-        </p:nvSpPr>
+        </p:nvPicPr>
+        <p:blipFill>
+          <a:blip r:embed="rId5">
+            <a:extLst>
+              <a:ext uri="{96DAC541-7B7A-43D3-8B79-37D633B846F1}">
+                <asvg:svgBlip xmlns:asvg="http://schemas.microsoft.com/office/drawing/2016/SVG/main" r:embed="rId6"/>
+              </a:ext>
+            </a:extLst>
+          </a:blip>
+          <a:stretch>
+            <a:fillRect/>
+          </a:stretch>
+        </p:blipFill>
         <p:spPr>
           <a:xfrm>
-            <a:off x="2829843" y="4337746"/>
-            <a:ext cx="8849999" cy="584775"/>
+            <a:off x="4257049" y="4275462"/>
+            <a:ext cx="914400" cy="914400"/>
           </a:xfrm>
           <a:prstGeom prst="rect">
             <a:avLst/>
           </a:prstGeom>
-          <a:noFill/>
         </p:spPr>
-        <p:txBody>
-          <a:bodyPr wrap="square" rtlCol="0">
-            <a:spAutoFit/>
-          </a:bodyPr>
-          <a:lstStyle/>
-          <a:p>
-            <a:pPr algn="ctr">
-              <a:spcBef>
-                <a:spcPts val="1800"/>
-              </a:spcBef>
-            </a:pPr>
-            <a:r>
-              <a:rPr lang="zh-CN" altLang="en-US" sz="3200" b="1" dirty="0">
-                <a:solidFill>
-                  <a:schemeClr val="accent4">
-                    <a:lumMod val="60000"/>
-                    <a:lumOff val="40000"/>
-                  </a:schemeClr>
-                </a:solidFill>
-              </a:rPr>
-              <a:t>判斷現在顯示的照片與目標照片是否一樣</a:t>
-            </a:r>
-            <a:endParaRPr lang="en-HK" altLang="zh-CN" sz="3200" b="1" dirty="0">
-              <a:solidFill>
-                <a:schemeClr val="accent4">
-                  <a:lumMod val="60000"/>
-                  <a:lumOff val="40000"/>
-                </a:schemeClr>
-              </a:solidFill>
-            </a:endParaRPr>
-          </a:p>
-        </p:txBody>
-      </p:sp>
+      </p:pic>
+      <p:pic>
+        <p:nvPicPr>
+          <p:cNvPr id="11" name="Graphic 10" descr="Apple with solid fill">
+            <a:extLst>
+              <a:ext uri="{FF2B5EF4-FFF2-40B4-BE49-F238E27FC236}">
+                <a16:creationId xmlns:a16="http://schemas.microsoft.com/office/drawing/2014/main" id="{C4704CC2-5CB3-47EE-A5D3-4A7869B0B9F4}"/>
+              </a:ext>
+            </a:extLst>
+          </p:cNvPr>
+          <p:cNvPicPr>
+            <a:picLocks noChangeAspect="1"/>
+          </p:cNvPicPr>
+          <p:nvPr/>
+        </p:nvPicPr>
+        <p:blipFill>
+          <a:blip r:embed="rId3">
+            <a:extLst>
+              <a:ext uri="{96DAC541-7B7A-43D3-8B79-37D633B846F1}">
+                <asvg:svgBlip xmlns:asvg="http://schemas.microsoft.com/office/drawing/2016/SVG/main" r:embed="rId4"/>
+              </a:ext>
+            </a:extLst>
+          </a:blip>
+          <a:stretch>
+            <a:fillRect/>
+          </a:stretch>
+        </p:blipFill>
+        <p:spPr>
+          <a:xfrm>
+            <a:off x="5638800" y="4275462"/>
+            <a:ext cx="914400" cy="914400"/>
+          </a:xfrm>
+          <a:prstGeom prst="rect">
+            <a:avLst/>
+          </a:prstGeom>
+        </p:spPr>
+      </p:pic>
+      <p:pic>
+        <p:nvPicPr>
+          <p:cNvPr id="12" name="Graphic 11" descr="Fish with solid fill">
+            <a:extLst>
+              <a:ext uri="{FF2B5EF4-FFF2-40B4-BE49-F238E27FC236}">
+                <a16:creationId xmlns:a16="http://schemas.microsoft.com/office/drawing/2014/main" id="{D69B16A7-CE11-4E6D-84D1-EFB82484C12F}"/>
+              </a:ext>
+            </a:extLst>
+          </p:cNvPr>
+          <p:cNvPicPr>
+            <a:picLocks noChangeAspect="1"/>
+          </p:cNvPicPr>
+          <p:nvPr/>
+        </p:nvPicPr>
+        <p:blipFill>
+          <a:blip r:embed="rId5">
+            <a:extLst>
+              <a:ext uri="{96DAC541-7B7A-43D3-8B79-37D633B846F1}">
+                <asvg:svgBlip xmlns:asvg="http://schemas.microsoft.com/office/drawing/2016/SVG/main" r:embed="rId6"/>
+              </a:ext>
+            </a:extLst>
+          </a:blip>
+          <a:stretch>
+            <a:fillRect/>
+          </a:stretch>
+        </p:blipFill>
+        <p:spPr>
+          <a:xfrm>
+            <a:off x="7020551" y="4275462"/>
+            <a:ext cx="914400" cy="914400"/>
+          </a:xfrm>
+          <a:prstGeom prst="rect">
+            <a:avLst/>
+          </a:prstGeom>
+        </p:spPr>
+      </p:pic>
+      <p:pic>
+        <p:nvPicPr>
+          <p:cNvPr id="13" name="Graphic 12" descr="Fish with solid fill">
+            <a:extLst>
+              <a:ext uri="{FF2B5EF4-FFF2-40B4-BE49-F238E27FC236}">
+                <a16:creationId xmlns:a16="http://schemas.microsoft.com/office/drawing/2014/main" id="{08FFEAE8-9780-4B7C-8AD5-2470A742FBF7}"/>
+              </a:ext>
+            </a:extLst>
+          </p:cNvPr>
+          <p:cNvPicPr>
+            <a:picLocks noChangeAspect="1"/>
+          </p:cNvPicPr>
+          <p:nvPr/>
+        </p:nvPicPr>
+        <p:blipFill>
+          <a:blip r:embed="rId5">
+            <a:extLst>
+              <a:ext uri="{96DAC541-7B7A-43D3-8B79-37D633B846F1}">
+                <asvg:svgBlip xmlns:asvg="http://schemas.microsoft.com/office/drawing/2016/SVG/main" r:embed="rId6"/>
+              </a:ext>
+            </a:extLst>
+          </a:blip>
+          <a:stretch>
+            <a:fillRect/>
+          </a:stretch>
+        </p:blipFill>
+        <p:spPr>
+          <a:xfrm>
+            <a:off x="8402302" y="4275462"/>
+            <a:ext cx="914400" cy="914400"/>
+          </a:xfrm>
+          <a:prstGeom prst="rect">
+            <a:avLst/>
+          </a:prstGeom>
+        </p:spPr>
+      </p:pic>
+      <p:pic>
+        <p:nvPicPr>
+          <p:cNvPr id="15" name="Graphic 14" descr="Close with solid fill">
+            <a:extLst>
+              <a:ext uri="{FF2B5EF4-FFF2-40B4-BE49-F238E27FC236}">
+                <a16:creationId xmlns:a16="http://schemas.microsoft.com/office/drawing/2014/main" id="{8DC28E0F-7FBF-4664-8935-1AD19D0BFFEE}"/>
+              </a:ext>
+            </a:extLst>
+          </p:cNvPr>
+          <p:cNvPicPr>
+            <a:picLocks noChangeAspect="1"/>
+          </p:cNvPicPr>
+          <p:nvPr/>
+        </p:nvPicPr>
+        <p:blipFill>
+          <a:blip r:embed="rId7">
+            <a:extLst>
+              <a:ext uri="{96DAC541-7B7A-43D3-8B79-37D633B846F1}">
+                <asvg:svgBlip xmlns:asvg="http://schemas.microsoft.com/office/drawing/2016/SVG/main" r:embed="rId8"/>
+              </a:ext>
+            </a:extLst>
+          </a:blip>
+          <a:stretch>
+            <a:fillRect/>
+          </a:stretch>
+        </p:blipFill>
+        <p:spPr>
+          <a:xfrm>
+            <a:off x="2875298" y="5579198"/>
+            <a:ext cx="914400" cy="914400"/>
+          </a:xfrm>
+          <a:prstGeom prst="rect">
+            <a:avLst/>
+          </a:prstGeom>
+        </p:spPr>
+      </p:pic>
+      <p:pic>
+        <p:nvPicPr>
+          <p:cNvPr id="16" name="Graphic 15" descr="Close with solid fill">
+            <a:extLst>
+              <a:ext uri="{FF2B5EF4-FFF2-40B4-BE49-F238E27FC236}">
+                <a16:creationId xmlns:a16="http://schemas.microsoft.com/office/drawing/2014/main" id="{E61A211F-7127-48BE-8637-63A4ED0926D0}"/>
+              </a:ext>
+            </a:extLst>
+          </p:cNvPr>
+          <p:cNvPicPr>
+            <a:picLocks noChangeAspect="1"/>
+          </p:cNvPicPr>
+          <p:nvPr/>
+        </p:nvPicPr>
+        <p:blipFill>
+          <a:blip r:embed="rId7">
+            <a:extLst>
+              <a:ext uri="{96DAC541-7B7A-43D3-8B79-37D633B846F1}">
+                <asvg:svgBlip xmlns:asvg="http://schemas.microsoft.com/office/drawing/2016/SVG/main" r:embed="rId8"/>
+              </a:ext>
+            </a:extLst>
+          </a:blip>
+          <a:stretch>
+            <a:fillRect/>
+          </a:stretch>
+        </p:blipFill>
+        <p:spPr>
+          <a:xfrm>
+            <a:off x="4257049" y="5579198"/>
+            <a:ext cx="914400" cy="914400"/>
+          </a:xfrm>
+          <a:prstGeom prst="rect">
+            <a:avLst/>
+          </a:prstGeom>
+        </p:spPr>
+      </p:pic>
+      <p:pic>
+        <p:nvPicPr>
+          <p:cNvPr id="17" name="Graphic 16" descr="Close with solid fill">
+            <a:extLst>
+              <a:ext uri="{FF2B5EF4-FFF2-40B4-BE49-F238E27FC236}">
+                <a16:creationId xmlns:a16="http://schemas.microsoft.com/office/drawing/2014/main" id="{EFB330D4-4AA0-4977-91BB-5F674BBB582B}"/>
+              </a:ext>
+            </a:extLst>
+          </p:cNvPr>
+          <p:cNvPicPr>
+            <a:picLocks noChangeAspect="1"/>
+          </p:cNvPicPr>
+          <p:nvPr/>
+        </p:nvPicPr>
+        <p:blipFill>
+          <a:blip r:embed="rId7">
+            <a:extLst>
+              <a:ext uri="{96DAC541-7B7A-43D3-8B79-37D633B846F1}">
+                <asvg:svgBlip xmlns:asvg="http://schemas.microsoft.com/office/drawing/2016/SVG/main" r:embed="rId8"/>
+              </a:ext>
+            </a:extLst>
+          </a:blip>
+          <a:stretch>
+            <a:fillRect/>
+          </a:stretch>
+        </p:blipFill>
+        <p:spPr>
+          <a:xfrm>
+            <a:off x="8402302" y="5579198"/>
+            <a:ext cx="914400" cy="914400"/>
+          </a:xfrm>
+          <a:prstGeom prst="rect">
+            <a:avLst/>
+          </a:prstGeom>
+        </p:spPr>
+      </p:pic>
+      <p:pic>
+        <p:nvPicPr>
+          <p:cNvPr id="19" name="Graphic 18" descr="Checkmark with solid fill">
+            <a:extLst>
+              <a:ext uri="{FF2B5EF4-FFF2-40B4-BE49-F238E27FC236}">
+                <a16:creationId xmlns:a16="http://schemas.microsoft.com/office/drawing/2014/main" id="{D66AC06D-CE8A-46B9-B95D-41C73B96794B}"/>
+              </a:ext>
+            </a:extLst>
+          </p:cNvPr>
+          <p:cNvPicPr>
+            <a:picLocks noChangeAspect="1"/>
+          </p:cNvPicPr>
+          <p:nvPr/>
+        </p:nvPicPr>
+        <p:blipFill>
+          <a:blip r:embed="rId9">
+            <a:extLst>
+              <a:ext uri="{96DAC541-7B7A-43D3-8B79-37D633B846F1}">
+                <asvg:svgBlip xmlns:asvg="http://schemas.microsoft.com/office/drawing/2016/SVG/main" r:embed="rId10"/>
+              </a:ext>
+            </a:extLst>
+          </a:blip>
+          <a:stretch>
+            <a:fillRect/>
+          </a:stretch>
+        </p:blipFill>
+        <p:spPr>
+          <a:xfrm>
+            <a:off x="5638800" y="5579198"/>
+            <a:ext cx="914400" cy="914400"/>
+          </a:xfrm>
+          <a:prstGeom prst="rect">
+            <a:avLst/>
+          </a:prstGeom>
+        </p:spPr>
+      </p:pic>
+      <p:pic>
+        <p:nvPicPr>
+          <p:cNvPr id="20" name="Graphic 19" descr="Checkmark with solid fill">
+            <a:extLst>
+              <a:ext uri="{FF2B5EF4-FFF2-40B4-BE49-F238E27FC236}">
+                <a16:creationId xmlns:a16="http://schemas.microsoft.com/office/drawing/2014/main" id="{04DBBF22-E493-4FD1-BD5C-99DC88FE1F25}"/>
+              </a:ext>
+            </a:extLst>
+          </p:cNvPr>
+          <p:cNvPicPr>
+            <a:picLocks noChangeAspect="1"/>
+          </p:cNvPicPr>
+          <p:nvPr/>
+        </p:nvPicPr>
+        <p:blipFill>
+          <a:blip r:embed="rId9">
+            <a:extLst>
+              <a:ext uri="{96DAC541-7B7A-43D3-8B79-37D633B846F1}">
+                <asvg:svgBlip xmlns:asvg="http://schemas.microsoft.com/office/drawing/2016/SVG/main" r:embed="rId10"/>
+              </a:ext>
+            </a:extLst>
+          </a:blip>
+          <a:stretch>
+            <a:fillRect/>
+          </a:stretch>
+        </p:blipFill>
+        <p:spPr>
+          <a:xfrm>
+            <a:off x="7020551" y="5579198"/>
+            <a:ext cx="914400" cy="914400"/>
+          </a:xfrm>
+          <a:prstGeom prst="rect">
+            <a:avLst/>
+          </a:prstGeom>
+        </p:spPr>
+      </p:pic>
     </p:spTree>
     <p:extLst>
       <p:ext uri="{BB962C8B-B14F-4D97-AF65-F5344CB8AC3E}">
@@ -5246,10 +5751,2067 @@
   <p:clrMapOvr>
     <a:masterClrMapping/>
   </p:clrMapOvr>
+  <p:timing>
+    <p:tnLst>
+      <p:par>
+        <p:cTn id="1" dur="indefinite" restart="never" nodeType="tmRoot">
+          <p:childTnLst>
+            <p:seq concurrent="1" nextAc="seek">
+              <p:cTn id="2" dur="indefinite" nodeType="mainSeq">
+                <p:childTnLst>
+                  <p:par>
+                    <p:cTn id="3" fill="hold">
+                      <p:stCondLst>
+                        <p:cond delay="indefinite"/>
+                      </p:stCondLst>
+                      <p:childTnLst>
+                        <p:par>
+                          <p:cTn id="4" fill="hold">
+                            <p:stCondLst>
+                              <p:cond delay="0"/>
+                            </p:stCondLst>
+                            <p:childTnLst>
+                              <p:par>
+                                <p:cTn id="5" presetID="10" presetClass="entr" presetSubtype="0" fill="hold" grpId="0" nodeType="clickEffect">
+                                  <p:stCondLst>
+                                    <p:cond delay="0"/>
+                                  </p:stCondLst>
+                                  <p:childTnLst>
+                                    <p:set>
+                                      <p:cBhvr>
+                                        <p:cTn id="6" dur="1" fill="hold">
+                                          <p:stCondLst>
+                                            <p:cond delay="0"/>
+                                          </p:stCondLst>
+                                        </p:cTn>
+                                        <p:tgtEl>
+                                          <p:spTgt spid="5"/>
+                                        </p:tgtEl>
+                                        <p:attrNameLst>
+                                          <p:attrName>style.visibility</p:attrName>
+                                        </p:attrNameLst>
+                                      </p:cBhvr>
+                                      <p:to>
+                                        <p:strVal val="visible"/>
+                                      </p:to>
+                                    </p:set>
+                                    <p:animEffect transition="in" filter="fade">
+                                      <p:cBhvr>
+                                        <p:cTn id="7" dur="500"/>
+                                        <p:tgtEl>
+                                          <p:spTgt spid="5"/>
+                                        </p:tgtEl>
+                                      </p:cBhvr>
+                                    </p:animEffect>
+                                  </p:childTnLst>
+                                </p:cTn>
+                              </p:par>
+                            </p:childTnLst>
+                          </p:cTn>
+                        </p:par>
+                      </p:childTnLst>
+                    </p:cTn>
+                  </p:par>
+                  <p:par>
+                    <p:cTn id="8" fill="hold">
+                      <p:stCondLst>
+                        <p:cond delay="indefinite"/>
+                      </p:stCondLst>
+                      <p:childTnLst>
+                        <p:par>
+                          <p:cTn id="9" fill="hold">
+                            <p:stCondLst>
+                              <p:cond delay="0"/>
+                            </p:stCondLst>
+                            <p:childTnLst>
+                              <p:par>
+                                <p:cTn id="10" presetID="10" presetClass="entr" presetSubtype="0" fill="hold" grpId="0" nodeType="clickEffect">
+                                  <p:stCondLst>
+                                    <p:cond delay="0"/>
+                                  </p:stCondLst>
+                                  <p:childTnLst>
+                                    <p:set>
+                                      <p:cBhvr>
+                                        <p:cTn id="11" dur="1" fill="hold">
+                                          <p:stCondLst>
+                                            <p:cond delay="0"/>
+                                          </p:stCondLst>
+                                        </p:cTn>
+                                        <p:tgtEl>
+                                          <p:spTgt spid="6"/>
+                                        </p:tgtEl>
+                                        <p:attrNameLst>
+                                          <p:attrName>style.visibility</p:attrName>
+                                        </p:attrNameLst>
+                                      </p:cBhvr>
+                                      <p:to>
+                                        <p:strVal val="visible"/>
+                                      </p:to>
+                                    </p:set>
+                                    <p:animEffect transition="in" filter="fade">
+                                      <p:cBhvr>
+                                        <p:cTn id="12" dur="500"/>
+                                        <p:tgtEl>
+                                          <p:spTgt spid="6"/>
+                                        </p:tgtEl>
+                                      </p:cBhvr>
+                                    </p:animEffect>
+                                  </p:childTnLst>
+                                </p:cTn>
+                              </p:par>
+                            </p:childTnLst>
+                          </p:cTn>
+                        </p:par>
+                      </p:childTnLst>
+                    </p:cTn>
+                  </p:par>
+                  <p:par>
+                    <p:cTn id="13" fill="hold">
+                      <p:stCondLst>
+                        <p:cond delay="indefinite"/>
+                      </p:stCondLst>
+                      <p:childTnLst>
+                        <p:par>
+                          <p:cTn id="14" fill="hold">
+                            <p:stCondLst>
+                              <p:cond delay="0"/>
+                            </p:stCondLst>
+                            <p:childTnLst>
+                              <p:par>
+                                <p:cTn id="15" presetID="10" presetClass="entr" presetSubtype="0" fill="hold" nodeType="clickEffect">
+                                  <p:stCondLst>
+                                    <p:cond delay="0"/>
+                                  </p:stCondLst>
+                                  <p:childTnLst>
+                                    <p:set>
+                                      <p:cBhvr>
+                                        <p:cTn id="16" dur="1" fill="hold">
+                                          <p:stCondLst>
+                                            <p:cond delay="0"/>
+                                          </p:stCondLst>
+                                        </p:cTn>
+                                        <p:tgtEl>
+                                          <p:spTgt spid="4"/>
+                                        </p:tgtEl>
+                                        <p:attrNameLst>
+                                          <p:attrName>style.visibility</p:attrName>
+                                        </p:attrNameLst>
+                                      </p:cBhvr>
+                                      <p:to>
+                                        <p:strVal val="visible"/>
+                                      </p:to>
+                                    </p:set>
+                                    <p:animEffect transition="in" filter="fade">
+                                      <p:cBhvr>
+                                        <p:cTn id="17" dur="500"/>
+                                        <p:tgtEl>
+                                          <p:spTgt spid="4"/>
+                                        </p:tgtEl>
+                                      </p:cBhvr>
+                                    </p:animEffect>
+                                  </p:childTnLst>
+                                </p:cTn>
+                              </p:par>
+                            </p:childTnLst>
+                          </p:cTn>
+                        </p:par>
+                      </p:childTnLst>
+                    </p:cTn>
+                  </p:par>
+                  <p:par>
+                    <p:cTn id="18" fill="hold">
+                      <p:stCondLst>
+                        <p:cond delay="indefinite"/>
+                      </p:stCondLst>
+                      <p:childTnLst>
+                        <p:par>
+                          <p:cTn id="19" fill="hold">
+                            <p:stCondLst>
+                              <p:cond delay="0"/>
+                            </p:stCondLst>
+                            <p:childTnLst>
+                              <p:par>
+                                <p:cTn id="20" presetID="10" presetClass="entr" presetSubtype="0" fill="hold" nodeType="clickEffect">
+                                  <p:stCondLst>
+                                    <p:cond delay="0"/>
+                                  </p:stCondLst>
+                                  <p:childTnLst>
+                                    <p:set>
+                                      <p:cBhvr>
+                                        <p:cTn id="21" dur="1" fill="hold">
+                                          <p:stCondLst>
+                                            <p:cond delay="0"/>
+                                          </p:stCondLst>
+                                        </p:cTn>
+                                        <p:tgtEl>
+                                          <p:spTgt spid="15"/>
+                                        </p:tgtEl>
+                                        <p:attrNameLst>
+                                          <p:attrName>style.visibility</p:attrName>
+                                        </p:attrNameLst>
+                                      </p:cBhvr>
+                                      <p:to>
+                                        <p:strVal val="visible"/>
+                                      </p:to>
+                                    </p:set>
+                                    <p:animEffect transition="in" filter="fade">
+                                      <p:cBhvr>
+                                        <p:cTn id="22" dur="500"/>
+                                        <p:tgtEl>
+                                          <p:spTgt spid="15"/>
+                                        </p:tgtEl>
+                                      </p:cBhvr>
+                                    </p:animEffect>
+                                  </p:childTnLst>
+                                </p:cTn>
+                              </p:par>
+                            </p:childTnLst>
+                          </p:cTn>
+                        </p:par>
+                      </p:childTnLst>
+                    </p:cTn>
+                  </p:par>
+                  <p:par>
+                    <p:cTn id="23" fill="hold">
+                      <p:stCondLst>
+                        <p:cond delay="indefinite"/>
+                      </p:stCondLst>
+                      <p:childTnLst>
+                        <p:par>
+                          <p:cTn id="24" fill="hold">
+                            <p:stCondLst>
+                              <p:cond delay="0"/>
+                            </p:stCondLst>
+                            <p:childTnLst>
+                              <p:par>
+                                <p:cTn id="25" presetID="10" presetClass="entr" presetSubtype="0" fill="hold" nodeType="clickEffect">
+                                  <p:stCondLst>
+                                    <p:cond delay="0"/>
+                                  </p:stCondLst>
+                                  <p:childTnLst>
+                                    <p:set>
+                                      <p:cBhvr>
+                                        <p:cTn id="26" dur="1" fill="hold">
+                                          <p:stCondLst>
+                                            <p:cond delay="0"/>
+                                          </p:stCondLst>
+                                        </p:cTn>
+                                        <p:tgtEl>
+                                          <p:spTgt spid="10"/>
+                                        </p:tgtEl>
+                                        <p:attrNameLst>
+                                          <p:attrName>style.visibility</p:attrName>
+                                        </p:attrNameLst>
+                                      </p:cBhvr>
+                                      <p:to>
+                                        <p:strVal val="visible"/>
+                                      </p:to>
+                                    </p:set>
+                                    <p:animEffect transition="in" filter="fade">
+                                      <p:cBhvr>
+                                        <p:cTn id="27" dur="500"/>
+                                        <p:tgtEl>
+                                          <p:spTgt spid="10"/>
+                                        </p:tgtEl>
+                                      </p:cBhvr>
+                                    </p:animEffect>
+                                  </p:childTnLst>
+                                </p:cTn>
+                              </p:par>
+                            </p:childTnLst>
+                          </p:cTn>
+                        </p:par>
+                      </p:childTnLst>
+                    </p:cTn>
+                  </p:par>
+                  <p:par>
+                    <p:cTn id="28" fill="hold">
+                      <p:stCondLst>
+                        <p:cond delay="indefinite"/>
+                      </p:stCondLst>
+                      <p:childTnLst>
+                        <p:par>
+                          <p:cTn id="29" fill="hold">
+                            <p:stCondLst>
+                              <p:cond delay="0"/>
+                            </p:stCondLst>
+                            <p:childTnLst>
+                              <p:par>
+                                <p:cTn id="30" presetID="10" presetClass="entr" presetSubtype="0" fill="hold" nodeType="clickEffect">
+                                  <p:stCondLst>
+                                    <p:cond delay="0"/>
+                                  </p:stCondLst>
+                                  <p:childTnLst>
+                                    <p:set>
+                                      <p:cBhvr>
+                                        <p:cTn id="31" dur="1" fill="hold">
+                                          <p:stCondLst>
+                                            <p:cond delay="0"/>
+                                          </p:stCondLst>
+                                        </p:cTn>
+                                        <p:tgtEl>
+                                          <p:spTgt spid="16"/>
+                                        </p:tgtEl>
+                                        <p:attrNameLst>
+                                          <p:attrName>style.visibility</p:attrName>
+                                        </p:attrNameLst>
+                                      </p:cBhvr>
+                                      <p:to>
+                                        <p:strVal val="visible"/>
+                                      </p:to>
+                                    </p:set>
+                                    <p:animEffect transition="in" filter="fade">
+                                      <p:cBhvr>
+                                        <p:cTn id="32" dur="500"/>
+                                        <p:tgtEl>
+                                          <p:spTgt spid="16"/>
+                                        </p:tgtEl>
+                                      </p:cBhvr>
+                                    </p:animEffect>
+                                  </p:childTnLst>
+                                </p:cTn>
+                              </p:par>
+                            </p:childTnLst>
+                          </p:cTn>
+                        </p:par>
+                      </p:childTnLst>
+                    </p:cTn>
+                  </p:par>
+                  <p:par>
+                    <p:cTn id="33" fill="hold">
+                      <p:stCondLst>
+                        <p:cond delay="indefinite"/>
+                      </p:stCondLst>
+                      <p:childTnLst>
+                        <p:par>
+                          <p:cTn id="34" fill="hold">
+                            <p:stCondLst>
+                              <p:cond delay="0"/>
+                            </p:stCondLst>
+                            <p:childTnLst>
+                              <p:par>
+                                <p:cTn id="35" presetID="10" presetClass="entr" presetSubtype="0" fill="hold" nodeType="clickEffect">
+                                  <p:stCondLst>
+                                    <p:cond delay="0"/>
+                                  </p:stCondLst>
+                                  <p:childTnLst>
+                                    <p:set>
+                                      <p:cBhvr>
+                                        <p:cTn id="36" dur="1" fill="hold">
+                                          <p:stCondLst>
+                                            <p:cond delay="0"/>
+                                          </p:stCondLst>
+                                        </p:cTn>
+                                        <p:tgtEl>
+                                          <p:spTgt spid="11"/>
+                                        </p:tgtEl>
+                                        <p:attrNameLst>
+                                          <p:attrName>style.visibility</p:attrName>
+                                        </p:attrNameLst>
+                                      </p:cBhvr>
+                                      <p:to>
+                                        <p:strVal val="visible"/>
+                                      </p:to>
+                                    </p:set>
+                                    <p:animEffect transition="in" filter="fade">
+                                      <p:cBhvr>
+                                        <p:cTn id="37" dur="500"/>
+                                        <p:tgtEl>
+                                          <p:spTgt spid="11"/>
+                                        </p:tgtEl>
+                                      </p:cBhvr>
+                                    </p:animEffect>
+                                  </p:childTnLst>
+                                </p:cTn>
+                              </p:par>
+                            </p:childTnLst>
+                          </p:cTn>
+                        </p:par>
+                      </p:childTnLst>
+                    </p:cTn>
+                  </p:par>
+                  <p:par>
+                    <p:cTn id="38" fill="hold">
+                      <p:stCondLst>
+                        <p:cond delay="indefinite"/>
+                      </p:stCondLst>
+                      <p:childTnLst>
+                        <p:par>
+                          <p:cTn id="39" fill="hold">
+                            <p:stCondLst>
+                              <p:cond delay="0"/>
+                            </p:stCondLst>
+                            <p:childTnLst>
+                              <p:par>
+                                <p:cTn id="40" presetID="10" presetClass="entr" presetSubtype="0" fill="hold" nodeType="clickEffect">
+                                  <p:stCondLst>
+                                    <p:cond delay="0"/>
+                                  </p:stCondLst>
+                                  <p:childTnLst>
+                                    <p:set>
+                                      <p:cBhvr>
+                                        <p:cTn id="41" dur="1" fill="hold">
+                                          <p:stCondLst>
+                                            <p:cond delay="0"/>
+                                          </p:stCondLst>
+                                        </p:cTn>
+                                        <p:tgtEl>
+                                          <p:spTgt spid="19"/>
+                                        </p:tgtEl>
+                                        <p:attrNameLst>
+                                          <p:attrName>style.visibility</p:attrName>
+                                        </p:attrNameLst>
+                                      </p:cBhvr>
+                                      <p:to>
+                                        <p:strVal val="visible"/>
+                                      </p:to>
+                                    </p:set>
+                                    <p:animEffect transition="in" filter="fade">
+                                      <p:cBhvr>
+                                        <p:cTn id="42" dur="500"/>
+                                        <p:tgtEl>
+                                          <p:spTgt spid="19"/>
+                                        </p:tgtEl>
+                                      </p:cBhvr>
+                                    </p:animEffect>
+                                  </p:childTnLst>
+                                </p:cTn>
+                              </p:par>
+                            </p:childTnLst>
+                          </p:cTn>
+                        </p:par>
+                      </p:childTnLst>
+                    </p:cTn>
+                  </p:par>
+                  <p:par>
+                    <p:cTn id="43" fill="hold">
+                      <p:stCondLst>
+                        <p:cond delay="indefinite"/>
+                      </p:stCondLst>
+                      <p:childTnLst>
+                        <p:par>
+                          <p:cTn id="44" fill="hold">
+                            <p:stCondLst>
+                              <p:cond delay="0"/>
+                            </p:stCondLst>
+                            <p:childTnLst>
+                              <p:par>
+                                <p:cTn id="45" presetID="10" presetClass="entr" presetSubtype="0" fill="hold" nodeType="clickEffect">
+                                  <p:stCondLst>
+                                    <p:cond delay="0"/>
+                                  </p:stCondLst>
+                                  <p:childTnLst>
+                                    <p:set>
+                                      <p:cBhvr>
+                                        <p:cTn id="46" dur="1" fill="hold">
+                                          <p:stCondLst>
+                                            <p:cond delay="0"/>
+                                          </p:stCondLst>
+                                        </p:cTn>
+                                        <p:tgtEl>
+                                          <p:spTgt spid="12"/>
+                                        </p:tgtEl>
+                                        <p:attrNameLst>
+                                          <p:attrName>style.visibility</p:attrName>
+                                        </p:attrNameLst>
+                                      </p:cBhvr>
+                                      <p:to>
+                                        <p:strVal val="visible"/>
+                                      </p:to>
+                                    </p:set>
+                                    <p:animEffect transition="in" filter="fade">
+                                      <p:cBhvr>
+                                        <p:cTn id="47" dur="500"/>
+                                        <p:tgtEl>
+                                          <p:spTgt spid="12"/>
+                                        </p:tgtEl>
+                                      </p:cBhvr>
+                                    </p:animEffect>
+                                  </p:childTnLst>
+                                </p:cTn>
+                              </p:par>
+                            </p:childTnLst>
+                          </p:cTn>
+                        </p:par>
+                      </p:childTnLst>
+                    </p:cTn>
+                  </p:par>
+                  <p:par>
+                    <p:cTn id="48" fill="hold">
+                      <p:stCondLst>
+                        <p:cond delay="indefinite"/>
+                      </p:stCondLst>
+                      <p:childTnLst>
+                        <p:par>
+                          <p:cTn id="49" fill="hold">
+                            <p:stCondLst>
+                              <p:cond delay="0"/>
+                            </p:stCondLst>
+                            <p:childTnLst>
+                              <p:par>
+                                <p:cTn id="50" presetID="10" presetClass="entr" presetSubtype="0" fill="hold" nodeType="clickEffect">
+                                  <p:stCondLst>
+                                    <p:cond delay="0"/>
+                                  </p:stCondLst>
+                                  <p:childTnLst>
+                                    <p:set>
+                                      <p:cBhvr>
+                                        <p:cTn id="51" dur="1" fill="hold">
+                                          <p:stCondLst>
+                                            <p:cond delay="0"/>
+                                          </p:stCondLst>
+                                        </p:cTn>
+                                        <p:tgtEl>
+                                          <p:spTgt spid="20"/>
+                                        </p:tgtEl>
+                                        <p:attrNameLst>
+                                          <p:attrName>style.visibility</p:attrName>
+                                        </p:attrNameLst>
+                                      </p:cBhvr>
+                                      <p:to>
+                                        <p:strVal val="visible"/>
+                                      </p:to>
+                                    </p:set>
+                                    <p:animEffect transition="in" filter="fade">
+                                      <p:cBhvr>
+                                        <p:cTn id="52" dur="500"/>
+                                        <p:tgtEl>
+                                          <p:spTgt spid="20"/>
+                                        </p:tgtEl>
+                                      </p:cBhvr>
+                                    </p:animEffect>
+                                  </p:childTnLst>
+                                </p:cTn>
+                              </p:par>
+                            </p:childTnLst>
+                          </p:cTn>
+                        </p:par>
+                      </p:childTnLst>
+                    </p:cTn>
+                  </p:par>
+                  <p:par>
+                    <p:cTn id="53" fill="hold">
+                      <p:stCondLst>
+                        <p:cond delay="indefinite"/>
+                      </p:stCondLst>
+                      <p:childTnLst>
+                        <p:par>
+                          <p:cTn id="54" fill="hold">
+                            <p:stCondLst>
+                              <p:cond delay="0"/>
+                            </p:stCondLst>
+                            <p:childTnLst>
+                              <p:par>
+                                <p:cTn id="55" presetID="10" presetClass="entr" presetSubtype="0" fill="hold" nodeType="clickEffect">
+                                  <p:stCondLst>
+                                    <p:cond delay="0"/>
+                                  </p:stCondLst>
+                                  <p:childTnLst>
+                                    <p:set>
+                                      <p:cBhvr>
+                                        <p:cTn id="56" dur="1" fill="hold">
+                                          <p:stCondLst>
+                                            <p:cond delay="0"/>
+                                          </p:stCondLst>
+                                        </p:cTn>
+                                        <p:tgtEl>
+                                          <p:spTgt spid="13"/>
+                                        </p:tgtEl>
+                                        <p:attrNameLst>
+                                          <p:attrName>style.visibility</p:attrName>
+                                        </p:attrNameLst>
+                                      </p:cBhvr>
+                                      <p:to>
+                                        <p:strVal val="visible"/>
+                                      </p:to>
+                                    </p:set>
+                                    <p:animEffect transition="in" filter="fade">
+                                      <p:cBhvr>
+                                        <p:cTn id="57" dur="500"/>
+                                        <p:tgtEl>
+                                          <p:spTgt spid="13"/>
+                                        </p:tgtEl>
+                                      </p:cBhvr>
+                                    </p:animEffect>
+                                  </p:childTnLst>
+                                </p:cTn>
+                              </p:par>
+                            </p:childTnLst>
+                          </p:cTn>
+                        </p:par>
+                      </p:childTnLst>
+                    </p:cTn>
+                  </p:par>
+                  <p:par>
+                    <p:cTn id="58" fill="hold">
+                      <p:stCondLst>
+                        <p:cond delay="indefinite"/>
+                      </p:stCondLst>
+                      <p:childTnLst>
+                        <p:par>
+                          <p:cTn id="59" fill="hold">
+                            <p:stCondLst>
+                              <p:cond delay="0"/>
+                            </p:stCondLst>
+                            <p:childTnLst>
+                              <p:par>
+                                <p:cTn id="60" presetID="10" presetClass="entr" presetSubtype="0" fill="hold" nodeType="clickEffect">
+                                  <p:stCondLst>
+                                    <p:cond delay="0"/>
+                                  </p:stCondLst>
+                                  <p:childTnLst>
+                                    <p:set>
+                                      <p:cBhvr>
+                                        <p:cTn id="61" dur="1" fill="hold">
+                                          <p:stCondLst>
+                                            <p:cond delay="0"/>
+                                          </p:stCondLst>
+                                        </p:cTn>
+                                        <p:tgtEl>
+                                          <p:spTgt spid="17"/>
+                                        </p:tgtEl>
+                                        <p:attrNameLst>
+                                          <p:attrName>style.visibility</p:attrName>
+                                        </p:attrNameLst>
+                                      </p:cBhvr>
+                                      <p:to>
+                                        <p:strVal val="visible"/>
+                                      </p:to>
+                                    </p:set>
+                                    <p:animEffect transition="in" filter="fade">
+                                      <p:cBhvr>
+                                        <p:cTn id="62" dur="500"/>
+                                        <p:tgtEl>
+                                          <p:spTgt spid="17"/>
+                                        </p:tgtEl>
+                                      </p:cBhvr>
+                                    </p:animEffect>
+                                  </p:childTnLst>
+                                </p:cTn>
+                              </p:par>
+                            </p:childTnLst>
+                          </p:cTn>
+                        </p:par>
+                      </p:childTnLst>
+                    </p:cTn>
+                  </p:par>
+                </p:childTnLst>
+              </p:cTn>
+              <p:prevCondLst>
+                <p:cond evt="onPrev" delay="0">
+                  <p:tgtEl>
+                    <p:sldTgt/>
+                  </p:tgtEl>
+                </p:cond>
+              </p:prevCondLst>
+              <p:nextCondLst>
+                <p:cond evt="onNext" delay="0">
+                  <p:tgtEl>
+                    <p:sldTgt/>
+                  </p:tgtEl>
+                </p:cond>
+              </p:nextCondLst>
+            </p:seq>
+          </p:childTnLst>
+        </p:cTn>
+      </p:par>
+    </p:tnLst>
+    <p:bldLst>
+      <p:bldP spid="5" grpId="0"/>
+      <p:bldP spid="6" grpId="0"/>
+    </p:bldLst>
+  </p:timing>
 </p:sld>
 </file>
 
 <file path=ppt/slides/slide3.xml><?xml version="1.0" encoding="utf-8"?>
+<p:sld xmlns:a="http://schemas.openxmlformats.org/drawingml/2006/main" xmlns:r="http://schemas.openxmlformats.org/officeDocument/2006/relationships" xmlns:p="http://schemas.openxmlformats.org/presentationml/2006/main">
+  <p:cSld>
+    <p:spTree>
+      <p:nvGrpSpPr>
+        <p:cNvPr id="1" name=""/>
+        <p:cNvGrpSpPr/>
+        <p:nvPr/>
+      </p:nvGrpSpPr>
+      <p:grpSpPr>
+        <a:xfrm>
+          <a:off x="0" y="0"/>
+          <a:ext cx="0" cy="0"/>
+          <a:chOff x="0" y="0"/>
+          <a:chExt cx="0" cy="0"/>
+        </a:xfrm>
+      </p:grpSpPr>
+      <p:sp>
+        <p:nvSpPr>
+          <p:cNvPr id="3" name="TextBox 2">
+            <a:extLst>
+              <a:ext uri="{FF2B5EF4-FFF2-40B4-BE49-F238E27FC236}">
+                <a16:creationId xmlns:a16="http://schemas.microsoft.com/office/drawing/2014/main" id="{35E13D1B-4370-4BFA-8773-A095B4EDA466}"/>
+              </a:ext>
+            </a:extLst>
+          </p:cNvPr>
+          <p:cNvSpPr txBox="1"/>
+          <p:nvPr/>
+        </p:nvSpPr>
+        <p:spPr>
+          <a:xfrm>
+            <a:off x="2972707" y="1161144"/>
+            <a:ext cx="6246586" cy="830997"/>
+          </a:xfrm>
+          <a:prstGeom prst="rect">
+            <a:avLst/>
+          </a:prstGeom>
+          <a:noFill/>
+        </p:spPr>
+        <p:txBody>
+          <a:bodyPr wrap="square" rtlCol="0">
+            <a:spAutoFit/>
+          </a:bodyPr>
+          <a:lstStyle/>
+          <a:p>
+            <a:pPr algn="ctr"/>
+            <a:r>
+              <a:rPr lang="zh-CN" altLang="en-US" sz="4800" b="1" u="sng" dirty="0">
+                <a:solidFill>
+                  <a:schemeClr val="bg1"/>
+                </a:solidFill>
+                <a:latin typeface="Arial" panose="020B0604020202020204" pitchFamily="34" charset="0"/>
+                <a:cs typeface="Arial" panose="020B0604020202020204" pitchFamily="34" charset="0"/>
+              </a:rPr>
+              <a:t>實驗指示</a:t>
+            </a:r>
+            <a:endParaRPr lang="zh-HK" altLang="en-US" sz="4800" b="1" dirty="0">
+              <a:solidFill>
+                <a:schemeClr val="bg1"/>
+              </a:solidFill>
+              <a:latin typeface="Arial" panose="020B0604020202020204" pitchFamily="34" charset="0"/>
+              <a:cs typeface="Arial" panose="020B0604020202020204" pitchFamily="34" charset="0"/>
+            </a:endParaRPr>
+          </a:p>
+        </p:txBody>
+      </p:sp>
+      <p:sp>
+        <p:nvSpPr>
+          <p:cNvPr id="7" name="TextBox 6">
+            <a:extLst>
+              <a:ext uri="{FF2B5EF4-FFF2-40B4-BE49-F238E27FC236}">
+                <a16:creationId xmlns:a16="http://schemas.microsoft.com/office/drawing/2014/main" id="{7D486842-673C-4A30-9F4F-1B56A557976E}"/>
+              </a:ext>
+            </a:extLst>
+          </p:cNvPr>
+          <p:cNvSpPr txBox="1"/>
+          <p:nvPr/>
+        </p:nvSpPr>
+        <p:spPr>
+          <a:xfrm>
+            <a:off x="-224368" y="2581385"/>
+            <a:ext cx="3610138" cy="584775"/>
+          </a:xfrm>
+          <a:prstGeom prst="rect">
+            <a:avLst/>
+          </a:prstGeom>
+          <a:noFill/>
+        </p:spPr>
+        <p:txBody>
+          <a:bodyPr wrap="square" rtlCol="0">
+            <a:spAutoFit/>
+          </a:bodyPr>
+          <a:lstStyle/>
+          <a:p>
+            <a:pPr algn="ctr">
+              <a:spcBef>
+                <a:spcPts val="1800"/>
+              </a:spcBef>
+            </a:pPr>
+            <a:r>
+              <a:rPr lang="zh-CN" altLang="en-US" sz="3200" dirty="0">
+                <a:solidFill>
+                  <a:schemeClr val="bg1"/>
+                </a:solidFill>
+              </a:rPr>
+              <a:t>目標</a:t>
+            </a:r>
+            <a:endParaRPr lang="en-HK" altLang="zh-CN" sz="3200" dirty="0">
+              <a:solidFill>
+                <a:schemeClr val="bg1"/>
+              </a:solidFill>
+            </a:endParaRPr>
+          </a:p>
+        </p:txBody>
+      </p:sp>
+      <p:sp>
+        <p:nvSpPr>
+          <p:cNvPr id="8" name="TextBox 7">
+            <a:extLst>
+              <a:ext uri="{FF2B5EF4-FFF2-40B4-BE49-F238E27FC236}">
+                <a16:creationId xmlns:a16="http://schemas.microsoft.com/office/drawing/2014/main" id="{E9FADBE2-E88C-4B61-ABD5-7CEDB69C57A0}"/>
+              </a:ext>
+            </a:extLst>
+          </p:cNvPr>
+          <p:cNvSpPr txBox="1"/>
+          <p:nvPr/>
+        </p:nvSpPr>
+        <p:spPr>
+          <a:xfrm>
+            <a:off x="2829843" y="2581386"/>
+            <a:ext cx="8849999" cy="584775"/>
+          </a:xfrm>
+          <a:prstGeom prst="rect">
+            <a:avLst/>
+          </a:prstGeom>
+          <a:noFill/>
+        </p:spPr>
+        <p:txBody>
+          <a:bodyPr wrap="square" rtlCol="0">
+            <a:spAutoFit/>
+          </a:bodyPr>
+          <a:lstStyle/>
+          <a:p>
+            <a:pPr algn="ctr">
+              <a:spcBef>
+                <a:spcPts val="1800"/>
+              </a:spcBef>
+            </a:pPr>
+            <a:r>
+              <a:rPr lang="zh-CN" altLang="en-US" sz="3200" b="1" dirty="0">
+                <a:solidFill>
+                  <a:schemeClr val="accent4">
+                    <a:lumMod val="60000"/>
+                    <a:lumOff val="40000"/>
+                  </a:schemeClr>
+                </a:solidFill>
+              </a:rPr>
+              <a:t>判斷現在顯示的照片與目標照片是否一樣</a:t>
+            </a:r>
+            <a:endParaRPr lang="en-HK" altLang="zh-CN" sz="3200" b="1" dirty="0">
+              <a:solidFill>
+                <a:schemeClr val="accent4">
+                  <a:lumMod val="60000"/>
+                  <a:lumOff val="40000"/>
+                </a:schemeClr>
+              </a:solidFill>
+            </a:endParaRPr>
+          </a:p>
+        </p:txBody>
+      </p:sp>
+      <p:sp>
+        <p:nvSpPr>
+          <p:cNvPr id="9" name="TextBox 8">
+            <a:extLst>
+              <a:ext uri="{FF2B5EF4-FFF2-40B4-BE49-F238E27FC236}">
+                <a16:creationId xmlns:a16="http://schemas.microsoft.com/office/drawing/2014/main" id="{C72B0256-C2B9-425C-8878-6DFECB82B3C1}"/>
+              </a:ext>
+            </a:extLst>
+          </p:cNvPr>
+          <p:cNvSpPr txBox="1"/>
+          <p:nvPr/>
+        </p:nvSpPr>
+        <p:spPr>
+          <a:xfrm>
+            <a:off x="688523" y="3974110"/>
+            <a:ext cx="3610138" cy="584775"/>
+          </a:xfrm>
+          <a:prstGeom prst="rect">
+            <a:avLst/>
+          </a:prstGeom>
+          <a:noFill/>
+        </p:spPr>
+        <p:txBody>
+          <a:bodyPr wrap="square" rtlCol="0">
+            <a:spAutoFit/>
+          </a:bodyPr>
+          <a:lstStyle/>
+          <a:p>
+            <a:pPr algn="ctr">
+              <a:spcBef>
+                <a:spcPts val="1800"/>
+              </a:spcBef>
+            </a:pPr>
+            <a:r>
+              <a:rPr lang="zh-CN" altLang="en-US" sz="3200" dirty="0">
+                <a:solidFill>
+                  <a:schemeClr val="bg1"/>
+                </a:solidFill>
+              </a:rPr>
+              <a:t>目標</a:t>
+            </a:r>
+            <a:endParaRPr lang="en-HK" altLang="zh-CN" sz="3200" dirty="0">
+              <a:solidFill>
+                <a:schemeClr val="bg1"/>
+              </a:solidFill>
+            </a:endParaRPr>
+          </a:p>
+        </p:txBody>
+      </p:sp>
+      <p:pic>
+        <p:nvPicPr>
+          <p:cNvPr id="10" name="Graphic 9" descr="Apple with solid fill">
+            <a:extLst>
+              <a:ext uri="{FF2B5EF4-FFF2-40B4-BE49-F238E27FC236}">
+                <a16:creationId xmlns:a16="http://schemas.microsoft.com/office/drawing/2014/main" id="{B0AD1FFD-268B-4D6B-B99F-0AEE53E27DF8}"/>
+              </a:ext>
+            </a:extLst>
+          </p:cNvPr>
+          <p:cNvPicPr>
+            <a:picLocks noChangeAspect="1"/>
+          </p:cNvPicPr>
+          <p:nvPr/>
+        </p:nvPicPr>
+        <p:blipFill>
+          <a:blip r:embed="rId3">
+            <a:extLst>
+              <a:ext uri="{96DAC541-7B7A-43D3-8B79-37D633B846F1}">
+                <asvg:svgBlip xmlns:asvg="http://schemas.microsoft.com/office/drawing/2016/SVG/main" r:embed="rId4"/>
+              </a:ext>
+            </a:extLst>
+          </a:blip>
+          <a:stretch>
+            <a:fillRect/>
+          </a:stretch>
+        </p:blipFill>
+        <p:spPr>
+          <a:xfrm>
+            <a:off x="2036392" y="4909634"/>
+            <a:ext cx="914400" cy="914400"/>
+          </a:xfrm>
+          <a:prstGeom prst="rect">
+            <a:avLst/>
+          </a:prstGeom>
+        </p:spPr>
+      </p:pic>
+      <p:pic>
+        <p:nvPicPr>
+          <p:cNvPr id="11" name="Graphic 10" descr="Apple with solid fill">
+            <a:extLst>
+              <a:ext uri="{FF2B5EF4-FFF2-40B4-BE49-F238E27FC236}">
+                <a16:creationId xmlns:a16="http://schemas.microsoft.com/office/drawing/2014/main" id="{79B3CBAB-FBE8-4885-8042-0290D9F6E9E3}"/>
+              </a:ext>
+            </a:extLst>
+          </p:cNvPr>
+          <p:cNvPicPr>
+            <a:picLocks noChangeAspect="1"/>
+          </p:cNvPicPr>
+          <p:nvPr/>
+        </p:nvPicPr>
+        <p:blipFill>
+          <a:blip r:embed="rId3">
+            <a:extLst>
+              <a:ext uri="{96DAC541-7B7A-43D3-8B79-37D633B846F1}">
+                <asvg:svgBlip xmlns:asvg="http://schemas.microsoft.com/office/drawing/2016/SVG/main" r:embed="rId4"/>
+              </a:ext>
+            </a:extLst>
+          </a:blip>
+          <a:stretch>
+            <a:fillRect/>
+          </a:stretch>
+        </p:blipFill>
+        <p:spPr>
+          <a:xfrm>
+            <a:off x="3916446" y="3995234"/>
+            <a:ext cx="914400" cy="914400"/>
+          </a:xfrm>
+          <a:prstGeom prst="rect">
+            <a:avLst/>
+          </a:prstGeom>
+        </p:spPr>
+      </p:pic>
+      <p:pic>
+        <p:nvPicPr>
+          <p:cNvPr id="12" name="Graphic 11" descr="Fish with solid fill">
+            <a:extLst>
+              <a:ext uri="{FF2B5EF4-FFF2-40B4-BE49-F238E27FC236}">
+                <a16:creationId xmlns:a16="http://schemas.microsoft.com/office/drawing/2014/main" id="{CD5EC6EA-CADB-4313-A0AC-8CAD23FF86E6}"/>
+              </a:ext>
+            </a:extLst>
+          </p:cNvPr>
+          <p:cNvPicPr>
+            <a:picLocks noChangeAspect="1"/>
+          </p:cNvPicPr>
+          <p:nvPr/>
+        </p:nvPicPr>
+        <p:blipFill>
+          <a:blip r:embed="rId5">
+            <a:extLst>
+              <a:ext uri="{96DAC541-7B7A-43D3-8B79-37D633B846F1}">
+                <asvg:svgBlip xmlns:asvg="http://schemas.microsoft.com/office/drawing/2016/SVG/main" r:embed="rId6"/>
+              </a:ext>
+            </a:extLst>
+          </a:blip>
+          <a:stretch>
+            <a:fillRect/>
+          </a:stretch>
+        </p:blipFill>
+        <p:spPr>
+          <a:xfrm>
+            <a:off x="5298197" y="3995234"/>
+            <a:ext cx="914400" cy="914400"/>
+          </a:xfrm>
+          <a:prstGeom prst="rect">
+            <a:avLst/>
+          </a:prstGeom>
+        </p:spPr>
+      </p:pic>
+      <p:pic>
+        <p:nvPicPr>
+          <p:cNvPr id="13" name="Graphic 12" descr="Apple with solid fill">
+            <a:extLst>
+              <a:ext uri="{FF2B5EF4-FFF2-40B4-BE49-F238E27FC236}">
+                <a16:creationId xmlns:a16="http://schemas.microsoft.com/office/drawing/2014/main" id="{D19018D2-053A-4E56-96E7-A76ED01B0076}"/>
+              </a:ext>
+            </a:extLst>
+          </p:cNvPr>
+          <p:cNvPicPr>
+            <a:picLocks noChangeAspect="1"/>
+          </p:cNvPicPr>
+          <p:nvPr/>
+        </p:nvPicPr>
+        <p:blipFill>
+          <a:blip r:embed="rId3">
+            <a:extLst>
+              <a:ext uri="{96DAC541-7B7A-43D3-8B79-37D633B846F1}">
+                <asvg:svgBlip xmlns:asvg="http://schemas.microsoft.com/office/drawing/2016/SVG/main" r:embed="rId4"/>
+              </a:ext>
+            </a:extLst>
+          </a:blip>
+          <a:stretch>
+            <a:fillRect/>
+          </a:stretch>
+        </p:blipFill>
+        <p:spPr>
+          <a:xfrm>
+            <a:off x="6679948" y="3995234"/>
+            <a:ext cx="914400" cy="914400"/>
+          </a:xfrm>
+          <a:prstGeom prst="rect">
+            <a:avLst/>
+          </a:prstGeom>
+        </p:spPr>
+      </p:pic>
+      <p:pic>
+        <p:nvPicPr>
+          <p:cNvPr id="14" name="Graphic 13" descr="Fish with solid fill">
+            <a:extLst>
+              <a:ext uri="{FF2B5EF4-FFF2-40B4-BE49-F238E27FC236}">
+                <a16:creationId xmlns:a16="http://schemas.microsoft.com/office/drawing/2014/main" id="{9D3DD82B-3F75-4A01-8BA2-18252E187C97}"/>
+              </a:ext>
+            </a:extLst>
+          </p:cNvPr>
+          <p:cNvPicPr>
+            <a:picLocks noChangeAspect="1"/>
+          </p:cNvPicPr>
+          <p:nvPr/>
+        </p:nvPicPr>
+        <p:blipFill>
+          <a:blip r:embed="rId5">
+            <a:extLst>
+              <a:ext uri="{96DAC541-7B7A-43D3-8B79-37D633B846F1}">
+                <asvg:svgBlip xmlns:asvg="http://schemas.microsoft.com/office/drawing/2016/SVG/main" r:embed="rId6"/>
+              </a:ext>
+            </a:extLst>
+          </a:blip>
+          <a:stretch>
+            <a:fillRect/>
+          </a:stretch>
+        </p:blipFill>
+        <p:spPr>
+          <a:xfrm>
+            <a:off x="8061699" y="3995234"/>
+            <a:ext cx="914400" cy="914400"/>
+          </a:xfrm>
+          <a:prstGeom prst="rect">
+            <a:avLst/>
+          </a:prstGeom>
+        </p:spPr>
+      </p:pic>
+      <p:pic>
+        <p:nvPicPr>
+          <p:cNvPr id="15" name="Graphic 14" descr="Fish with solid fill">
+            <a:extLst>
+              <a:ext uri="{FF2B5EF4-FFF2-40B4-BE49-F238E27FC236}">
+                <a16:creationId xmlns:a16="http://schemas.microsoft.com/office/drawing/2014/main" id="{5E8EC2CD-4C2C-425F-B25C-FFB6C6368276}"/>
+              </a:ext>
+            </a:extLst>
+          </p:cNvPr>
+          <p:cNvPicPr>
+            <a:picLocks noChangeAspect="1"/>
+          </p:cNvPicPr>
+          <p:nvPr/>
+        </p:nvPicPr>
+        <p:blipFill>
+          <a:blip r:embed="rId5">
+            <a:extLst>
+              <a:ext uri="{96DAC541-7B7A-43D3-8B79-37D633B846F1}">
+                <asvg:svgBlip xmlns:asvg="http://schemas.microsoft.com/office/drawing/2016/SVG/main" r:embed="rId6"/>
+              </a:ext>
+            </a:extLst>
+          </a:blip>
+          <a:stretch>
+            <a:fillRect/>
+          </a:stretch>
+        </p:blipFill>
+        <p:spPr>
+          <a:xfrm>
+            <a:off x="9443450" y="3995234"/>
+            <a:ext cx="914400" cy="914400"/>
+          </a:xfrm>
+          <a:prstGeom prst="rect">
+            <a:avLst/>
+          </a:prstGeom>
+        </p:spPr>
+      </p:pic>
+      <p:pic>
+        <p:nvPicPr>
+          <p:cNvPr id="17" name="Graphic 16" descr="Close with solid fill">
+            <a:extLst>
+              <a:ext uri="{FF2B5EF4-FFF2-40B4-BE49-F238E27FC236}">
+                <a16:creationId xmlns:a16="http://schemas.microsoft.com/office/drawing/2014/main" id="{B303A303-9BB6-4B58-8E24-ADDA4198DC5A}"/>
+              </a:ext>
+            </a:extLst>
+          </p:cNvPr>
+          <p:cNvPicPr>
+            <a:picLocks noChangeAspect="1"/>
+          </p:cNvPicPr>
+          <p:nvPr/>
+        </p:nvPicPr>
+        <p:blipFill>
+          <a:blip r:embed="rId7">
+            <a:extLst>
+              <a:ext uri="{96DAC541-7B7A-43D3-8B79-37D633B846F1}">
+                <asvg:svgBlip xmlns:asvg="http://schemas.microsoft.com/office/drawing/2016/SVG/main" r:embed="rId8"/>
+              </a:ext>
+            </a:extLst>
+          </a:blip>
+          <a:stretch>
+            <a:fillRect/>
+          </a:stretch>
+        </p:blipFill>
+        <p:spPr>
+          <a:xfrm>
+            <a:off x="5298197" y="5298970"/>
+            <a:ext cx="914400" cy="914400"/>
+          </a:xfrm>
+          <a:prstGeom prst="rect">
+            <a:avLst/>
+          </a:prstGeom>
+        </p:spPr>
+      </p:pic>
+      <p:pic>
+        <p:nvPicPr>
+          <p:cNvPr id="18" name="Graphic 17" descr="Close with solid fill">
+            <a:extLst>
+              <a:ext uri="{FF2B5EF4-FFF2-40B4-BE49-F238E27FC236}">
+                <a16:creationId xmlns:a16="http://schemas.microsoft.com/office/drawing/2014/main" id="{DA8DD6D2-CD04-4B53-9813-8971BD0E9229}"/>
+              </a:ext>
+            </a:extLst>
+          </p:cNvPr>
+          <p:cNvPicPr>
+            <a:picLocks noChangeAspect="1"/>
+          </p:cNvPicPr>
+          <p:nvPr/>
+        </p:nvPicPr>
+        <p:blipFill>
+          <a:blip r:embed="rId7">
+            <a:extLst>
+              <a:ext uri="{96DAC541-7B7A-43D3-8B79-37D633B846F1}">
+                <asvg:svgBlip xmlns:asvg="http://schemas.microsoft.com/office/drawing/2016/SVG/main" r:embed="rId8"/>
+              </a:ext>
+            </a:extLst>
+          </a:blip>
+          <a:stretch>
+            <a:fillRect/>
+          </a:stretch>
+        </p:blipFill>
+        <p:spPr>
+          <a:xfrm>
+            <a:off x="9443450" y="5298970"/>
+            <a:ext cx="914400" cy="914400"/>
+          </a:xfrm>
+          <a:prstGeom prst="rect">
+            <a:avLst/>
+          </a:prstGeom>
+        </p:spPr>
+      </p:pic>
+      <p:pic>
+        <p:nvPicPr>
+          <p:cNvPr id="19" name="Graphic 18" descr="Checkmark with solid fill">
+            <a:extLst>
+              <a:ext uri="{FF2B5EF4-FFF2-40B4-BE49-F238E27FC236}">
+                <a16:creationId xmlns:a16="http://schemas.microsoft.com/office/drawing/2014/main" id="{62C6295D-E2E1-408C-A5C6-AEBF2780F512}"/>
+              </a:ext>
+            </a:extLst>
+          </p:cNvPr>
+          <p:cNvPicPr>
+            <a:picLocks noChangeAspect="1"/>
+          </p:cNvPicPr>
+          <p:nvPr/>
+        </p:nvPicPr>
+        <p:blipFill>
+          <a:blip r:embed="rId9">
+            <a:extLst>
+              <a:ext uri="{96DAC541-7B7A-43D3-8B79-37D633B846F1}">
+                <asvg:svgBlip xmlns:asvg="http://schemas.microsoft.com/office/drawing/2016/SVG/main" r:embed="rId10"/>
+              </a:ext>
+            </a:extLst>
+          </a:blip>
+          <a:stretch>
+            <a:fillRect/>
+          </a:stretch>
+        </p:blipFill>
+        <p:spPr>
+          <a:xfrm>
+            <a:off x="6679948" y="5298970"/>
+            <a:ext cx="914400" cy="914400"/>
+          </a:xfrm>
+          <a:prstGeom prst="rect">
+            <a:avLst/>
+          </a:prstGeom>
+        </p:spPr>
+      </p:pic>
+      <p:pic>
+        <p:nvPicPr>
+          <p:cNvPr id="22" name="Graphic 21" descr="Checkmark with solid fill">
+            <a:extLst>
+              <a:ext uri="{FF2B5EF4-FFF2-40B4-BE49-F238E27FC236}">
+                <a16:creationId xmlns:a16="http://schemas.microsoft.com/office/drawing/2014/main" id="{154442A4-1A8A-4460-8200-97C8E218B076}"/>
+              </a:ext>
+            </a:extLst>
+          </p:cNvPr>
+          <p:cNvPicPr>
+            <a:picLocks noChangeAspect="1"/>
+          </p:cNvPicPr>
+          <p:nvPr/>
+        </p:nvPicPr>
+        <p:blipFill>
+          <a:blip r:embed="rId9">
+            <a:extLst>
+              <a:ext uri="{96DAC541-7B7A-43D3-8B79-37D633B846F1}">
+                <asvg:svgBlip xmlns:asvg="http://schemas.microsoft.com/office/drawing/2016/SVG/main" r:embed="rId10"/>
+              </a:ext>
+            </a:extLst>
+          </a:blip>
+          <a:stretch>
+            <a:fillRect/>
+          </a:stretch>
+        </p:blipFill>
+        <p:spPr>
+          <a:xfrm>
+            <a:off x="3916446" y="5298970"/>
+            <a:ext cx="914400" cy="914400"/>
+          </a:xfrm>
+          <a:prstGeom prst="rect">
+            <a:avLst/>
+          </a:prstGeom>
+        </p:spPr>
+      </p:pic>
+      <p:pic>
+        <p:nvPicPr>
+          <p:cNvPr id="23" name="Graphic 22" descr="Close with solid fill">
+            <a:extLst>
+              <a:ext uri="{FF2B5EF4-FFF2-40B4-BE49-F238E27FC236}">
+                <a16:creationId xmlns:a16="http://schemas.microsoft.com/office/drawing/2014/main" id="{EEB99392-1BF1-4A8C-AB35-D98A67D02625}"/>
+              </a:ext>
+            </a:extLst>
+          </p:cNvPr>
+          <p:cNvPicPr>
+            <a:picLocks noChangeAspect="1"/>
+          </p:cNvPicPr>
+          <p:nvPr/>
+        </p:nvPicPr>
+        <p:blipFill>
+          <a:blip r:embed="rId7">
+            <a:extLst>
+              <a:ext uri="{96DAC541-7B7A-43D3-8B79-37D633B846F1}">
+                <asvg:svgBlip xmlns:asvg="http://schemas.microsoft.com/office/drawing/2016/SVG/main" r:embed="rId8"/>
+              </a:ext>
+            </a:extLst>
+          </a:blip>
+          <a:stretch>
+            <a:fillRect/>
+          </a:stretch>
+        </p:blipFill>
+        <p:spPr>
+          <a:xfrm>
+            <a:off x="8061699" y="5298970"/>
+            <a:ext cx="914400" cy="914400"/>
+          </a:xfrm>
+          <a:prstGeom prst="rect">
+            <a:avLst/>
+          </a:prstGeom>
+        </p:spPr>
+      </p:pic>
+    </p:spTree>
+    <p:extLst>
+      <p:ext uri="{BB962C8B-B14F-4D97-AF65-F5344CB8AC3E}">
+        <p14:creationId xmlns:p14="http://schemas.microsoft.com/office/powerpoint/2010/main" val="2388667720"/>
+      </p:ext>
+    </p:extLst>
+  </p:cSld>
+  <p:clrMapOvr>
+    <a:masterClrMapping/>
+  </p:clrMapOvr>
+  <p:timing>
+    <p:tnLst>
+      <p:par>
+        <p:cTn id="1" dur="indefinite" restart="never" nodeType="tmRoot">
+          <p:childTnLst>
+            <p:seq concurrent="1" nextAc="seek">
+              <p:cTn id="2" dur="indefinite" nodeType="mainSeq">
+                <p:childTnLst>
+                  <p:par>
+                    <p:cTn id="3" fill="hold">
+                      <p:stCondLst>
+                        <p:cond delay="indefinite"/>
+                      </p:stCondLst>
+                      <p:childTnLst>
+                        <p:par>
+                          <p:cTn id="4" fill="hold">
+                            <p:stCondLst>
+                              <p:cond delay="0"/>
+                            </p:stCondLst>
+                            <p:childTnLst>
+                              <p:par>
+                                <p:cTn id="5" presetID="10" presetClass="entr" presetSubtype="0" fill="hold" grpId="0" nodeType="clickEffect">
+                                  <p:stCondLst>
+                                    <p:cond delay="0"/>
+                                  </p:stCondLst>
+                                  <p:childTnLst>
+                                    <p:set>
+                                      <p:cBhvr>
+                                        <p:cTn id="6" dur="1" fill="hold">
+                                          <p:stCondLst>
+                                            <p:cond delay="0"/>
+                                          </p:stCondLst>
+                                        </p:cTn>
+                                        <p:tgtEl>
+                                          <p:spTgt spid="7"/>
+                                        </p:tgtEl>
+                                        <p:attrNameLst>
+                                          <p:attrName>style.visibility</p:attrName>
+                                        </p:attrNameLst>
+                                      </p:cBhvr>
+                                      <p:to>
+                                        <p:strVal val="visible"/>
+                                      </p:to>
+                                    </p:set>
+                                    <p:animEffect transition="in" filter="fade">
+                                      <p:cBhvr>
+                                        <p:cTn id="7" dur="500"/>
+                                        <p:tgtEl>
+                                          <p:spTgt spid="7"/>
+                                        </p:tgtEl>
+                                      </p:cBhvr>
+                                    </p:animEffect>
+                                  </p:childTnLst>
+                                </p:cTn>
+                              </p:par>
+                            </p:childTnLst>
+                          </p:cTn>
+                        </p:par>
+                      </p:childTnLst>
+                    </p:cTn>
+                  </p:par>
+                  <p:par>
+                    <p:cTn id="8" fill="hold">
+                      <p:stCondLst>
+                        <p:cond delay="indefinite"/>
+                      </p:stCondLst>
+                      <p:childTnLst>
+                        <p:par>
+                          <p:cTn id="9" fill="hold">
+                            <p:stCondLst>
+                              <p:cond delay="0"/>
+                            </p:stCondLst>
+                            <p:childTnLst>
+                              <p:par>
+                                <p:cTn id="10" presetID="10" presetClass="entr" presetSubtype="0" fill="hold" grpId="0" nodeType="clickEffect">
+                                  <p:stCondLst>
+                                    <p:cond delay="0"/>
+                                  </p:stCondLst>
+                                  <p:childTnLst>
+                                    <p:set>
+                                      <p:cBhvr>
+                                        <p:cTn id="11" dur="1" fill="hold">
+                                          <p:stCondLst>
+                                            <p:cond delay="0"/>
+                                          </p:stCondLst>
+                                        </p:cTn>
+                                        <p:tgtEl>
+                                          <p:spTgt spid="8"/>
+                                        </p:tgtEl>
+                                        <p:attrNameLst>
+                                          <p:attrName>style.visibility</p:attrName>
+                                        </p:attrNameLst>
+                                      </p:cBhvr>
+                                      <p:to>
+                                        <p:strVal val="visible"/>
+                                      </p:to>
+                                    </p:set>
+                                    <p:animEffect transition="in" filter="fade">
+                                      <p:cBhvr>
+                                        <p:cTn id="12" dur="500"/>
+                                        <p:tgtEl>
+                                          <p:spTgt spid="8"/>
+                                        </p:tgtEl>
+                                      </p:cBhvr>
+                                    </p:animEffect>
+                                  </p:childTnLst>
+                                </p:cTn>
+                              </p:par>
+                            </p:childTnLst>
+                          </p:cTn>
+                        </p:par>
+                      </p:childTnLst>
+                    </p:cTn>
+                  </p:par>
+                  <p:par>
+                    <p:cTn id="13" fill="hold">
+                      <p:stCondLst>
+                        <p:cond delay="indefinite"/>
+                      </p:stCondLst>
+                      <p:childTnLst>
+                        <p:par>
+                          <p:cTn id="14" fill="hold">
+                            <p:stCondLst>
+                              <p:cond delay="0"/>
+                            </p:stCondLst>
+                            <p:childTnLst>
+                              <p:par>
+                                <p:cTn id="15" presetID="10" presetClass="entr" presetSubtype="0" fill="hold" grpId="0" nodeType="clickEffect">
+                                  <p:stCondLst>
+                                    <p:cond delay="0"/>
+                                  </p:stCondLst>
+                                  <p:childTnLst>
+                                    <p:set>
+                                      <p:cBhvr>
+                                        <p:cTn id="16" dur="1" fill="hold">
+                                          <p:stCondLst>
+                                            <p:cond delay="0"/>
+                                          </p:stCondLst>
+                                        </p:cTn>
+                                        <p:tgtEl>
+                                          <p:spTgt spid="9"/>
+                                        </p:tgtEl>
+                                        <p:attrNameLst>
+                                          <p:attrName>style.visibility</p:attrName>
+                                        </p:attrNameLst>
+                                      </p:cBhvr>
+                                      <p:to>
+                                        <p:strVal val="visible"/>
+                                      </p:to>
+                                    </p:set>
+                                    <p:animEffect transition="in" filter="fade">
+                                      <p:cBhvr>
+                                        <p:cTn id="17" dur="500"/>
+                                        <p:tgtEl>
+                                          <p:spTgt spid="9"/>
+                                        </p:tgtEl>
+                                      </p:cBhvr>
+                                    </p:animEffect>
+                                  </p:childTnLst>
+                                </p:cTn>
+                              </p:par>
+                              <p:par>
+                                <p:cTn id="18" presetID="10" presetClass="entr" presetSubtype="0" fill="hold" nodeType="withEffect">
+                                  <p:stCondLst>
+                                    <p:cond delay="0"/>
+                                  </p:stCondLst>
+                                  <p:childTnLst>
+                                    <p:set>
+                                      <p:cBhvr>
+                                        <p:cTn id="19" dur="1" fill="hold">
+                                          <p:stCondLst>
+                                            <p:cond delay="0"/>
+                                          </p:stCondLst>
+                                        </p:cTn>
+                                        <p:tgtEl>
+                                          <p:spTgt spid="10"/>
+                                        </p:tgtEl>
+                                        <p:attrNameLst>
+                                          <p:attrName>style.visibility</p:attrName>
+                                        </p:attrNameLst>
+                                      </p:cBhvr>
+                                      <p:to>
+                                        <p:strVal val="visible"/>
+                                      </p:to>
+                                    </p:set>
+                                    <p:animEffect transition="in" filter="fade">
+                                      <p:cBhvr>
+                                        <p:cTn id="20" dur="500"/>
+                                        <p:tgtEl>
+                                          <p:spTgt spid="10"/>
+                                        </p:tgtEl>
+                                      </p:cBhvr>
+                                    </p:animEffect>
+                                  </p:childTnLst>
+                                </p:cTn>
+                              </p:par>
+                            </p:childTnLst>
+                          </p:cTn>
+                        </p:par>
+                      </p:childTnLst>
+                    </p:cTn>
+                  </p:par>
+                  <p:par>
+                    <p:cTn id="21" fill="hold">
+                      <p:stCondLst>
+                        <p:cond delay="indefinite"/>
+                      </p:stCondLst>
+                      <p:childTnLst>
+                        <p:par>
+                          <p:cTn id="22" fill="hold">
+                            <p:stCondLst>
+                              <p:cond delay="0"/>
+                            </p:stCondLst>
+                            <p:childTnLst>
+                              <p:par>
+                                <p:cTn id="23" presetID="10" presetClass="entr" presetSubtype="0" fill="hold" nodeType="clickEffect">
+                                  <p:stCondLst>
+                                    <p:cond delay="0"/>
+                                  </p:stCondLst>
+                                  <p:childTnLst>
+                                    <p:set>
+                                      <p:cBhvr>
+                                        <p:cTn id="24" dur="1" fill="hold">
+                                          <p:stCondLst>
+                                            <p:cond delay="0"/>
+                                          </p:stCondLst>
+                                        </p:cTn>
+                                        <p:tgtEl>
+                                          <p:spTgt spid="11"/>
+                                        </p:tgtEl>
+                                        <p:attrNameLst>
+                                          <p:attrName>style.visibility</p:attrName>
+                                        </p:attrNameLst>
+                                      </p:cBhvr>
+                                      <p:to>
+                                        <p:strVal val="visible"/>
+                                      </p:to>
+                                    </p:set>
+                                    <p:animEffect transition="in" filter="fade">
+                                      <p:cBhvr>
+                                        <p:cTn id="25" dur="500"/>
+                                        <p:tgtEl>
+                                          <p:spTgt spid="11"/>
+                                        </p:tgtEl>
+                                      </p:cBhvr>
+                                    </p:animEffect>
+                                  </p:childTnLst>
+                                </p:cTn>
+                              </p:par>
+                            </p:childTnLst>
+                          </p:cTn>
+                        </p:par>
+                      </p:childTnLst>
+                    </p:cTn>
+                  </p:par>
+                  <p:par>
+                    <p:cTn id="26" fill="hold">
+                      <p:stCondLst>
+                        <p:cond delay="indefinite"/>
+                      </p:stCondLst>
+                      <p:childTnLst>
+                        <p:par>
+                          <p:cTn id="27" fill="hold">
+                            <p:stCondLst>
+                              <p:cond delay="0"/>
+                            </p:stCondLst>
+                            <p:childTnLst>
+                              <p:par>
+                                <p:cTn id="28" presetID="10" presetClass="entr" presetSubtype="0" fill="hold" nodeType="clickEffect">
+                                  <p:stCondLst>
+                                    <p:cond delay="0"/>
+                                  </p:stCondLst>
+                                  <p:childTnLst>
+                                    <p:set>
+                                      <p:cBhvr>
+                                        <p:cTn id="29" dur="1" fill="hold">
+                                          <p:stCondLst>
+                                            <p:cond delay="0"/>
+                                          </p:stCondLst>
+                                        </p:cTn>
+                                        <p:tgtEl>
+                                          <p:spTgt spid="22"/>
+                                        </p:tgtEl>
+                                        <p:attrNameLst>
+                                          <p:attrName>style.visibility</p:attrName>
+                                        </p:attrNameLst>
+                                      </p:cBhvr>
+                                      <p:to>
+                                        <p:strVal val="visible"/>
+                                      </p:to>
+                                    </p:set>
+                                    <p:animEffect transition="in" filter="fade">
+                                      <p:cBhvr>
+                                        <p:cTn id="30" dur="500"/>
+                                        <p:tgtEl>
+                                          <p:spTgt spid="22"/>
+                                        </p:tgtEl>
+                                      </p:cBhvr>
+                                    </p:animEffect>
+                                  </p:childTnLst>
+                                </p:cTn>
+                              </p:par>
+                            </p:childTnLst>
+                          </p:cTn>
+                        </p:par>
+                      </p:childTnLst>
+                    </p:cTn>
+                  </p:par>
+                  <p:par>
+                    <p:cTn id="31" fill="hold">
+                      <p:stCondLst>
+                        <p:cond delay="indefinite"/>
+                      </p:stCondLst>
+                      <p:childTnLst>
+                        <p:par>
+                          <p:cTn id="32" fill="hold">
+                            <p:stCondLst>
+                              <p:cond delay="0"/>
+                            </p:stCondLst>
+                            <p:childTnLst>
+                              <p:par>
+                                <p:cTn id="33" presetID="10" presetClass="entr" presetSubtype="0" fill="hold" nodeType="clickEffect">
+                                  <p:stCondLst>
+                                    <p:cond delay="0"/>
+                                  </p:stCondLst>
+                                  <p:childTnLst>
+                                    <p:set>
+                                      <p:cBhvr>
+                                        <p:cTn id="34" dur="1" fill="hold">
+                                          <p:stCondLst>
+                                            <p:cond delay="0"/>
+                                          </p:stCondLst>
+                                        </p:cTn>
+                                        <p:tgtEl>
+                                          <p:spTgt spid="12"/>
+                                        </p:tgtEl>
+                                        <p:attrNameLst>
+                                          <p:attrName>style.visibility</p:attrName>
+                                        </p:attrNameLst>
+                                      </p:cBhvr>
+                                      <p:to>
+                                        <p:strVal val="visible"/>
+                                      </p:to>
+                                    </p:set>
+                                    <p:animEffect transition="in" filter="fade">
+                                      <p:cBhvr>
+                                        <p:cTn id="35" dur="500"/>
+                                        <p:tgtEl>
+                                          <p:spTgt spid="12"/>
+                                        </p:tgtEl>
+                                      </p:cBhvr>
+                                    </p:animEffect>
+                                  </p:childTnLst>
+                                </p:cTn>
+                              </p:par>
+                            </p:childTnLst>
+                          </p:cTn>
+                        </p:par>
+                      </p:childTnLst>
+                    </p:cTn>
+                  </p:par>
+                  <p:par>
+                    <p:cTn id="36" fill="hold">
+                      <p:stCondLst>
+                        <p:cond delay="indefinite"/>
+                      </p:stCondLst>
+                      <p:childTnLst>
+                        <p:par>
+                          <p:cTn id="37" fill="hold">
+                            <p:stCondLst>
+                              <p:cond delay="0"/>
+                            </p:stCondLst>
+                            <p:childTnLst>
+                              <p:par>
+                                <p:cTn id="38" presetID="10" presetClass="entr" presetSubtype="0" fill="hold" nodeType="clickEffect">
+                                  <p:stCondLst>
+                                    <p:cond delay="0"/>
+                                  </p:stCondLst>
+                                  <p:childTnLst>
+                                    <p:set>
+                                      <p:cBhvr>
+                                        <p:cTn id="39" dur="1" fill="hold">
+                                          <p:stCondLst>
+                                            <p:cond delay="0"/>
+                                          </p:stCondLst>
+                                        </p:cTn>
+                                        <p:tgtEl>
+                                          <p:spTgt spid="17"/>
+                                        </p:tgtEl>
+                                        <p:attrNameLst>
+                                          <p:attrName>style.visibility</p:attrName>
+                                        </p:attrNameLst>
+                                      </p:cBhvr>
+                                      <p:to>
+                                        <p:strVal val="visible"/>
+                                      </p:to>
+                                    </p:set>
+                                    <p:animEffect transition="in" filter="fade">
+                                      <p:cBhvr>
+                                        <p:cTn id="40" dur="500"/>
+                                        <p:tgtEl>
+                                          <p:spTgt spid="17"/>
+                                        </p:tgtEl>
+                                      </p:cBhvr>
+                                    </p:animEffect>
+                                  </p:childTnLst>
+                                </p:cTn>
+                              </p:par>
+                            </p:childTnLst>
+                          </p:cTn>
+                        </p:par>
+                      </p:childTnLst>
+                    </p:cTn>
+                  </p:par>
+                  <p:par>
+                    <p:cTn id="41" fill="hold">
+                      <p:stCondLst>
+                        <p:cond delay="indefinite"/>
+                      </p:stCondLst>
+                      <p:childTnLst>
+                        <p:par>
+                          <p:cTn id="42" fill="hold">
+                            <p:stCondLst>
+                              <p:cond delay="0"/>
+                            </p:stCondLst>
+                            <p:childTnLst>
+                              <p:par>
+                                <p:cTn id="43" presetID="10" presetClass="entr" presetSubtype="0" fill="hold" nodeType="clickEffect">
+                                  <p:stCondLst>
+                                    <p:cond delay="0"/>
+                                  </p:stCondLst>
+                                  <p:childTnLst>
+                                    <p:set>
+                                      <p:cBhvr>
+                                        <p:cTn id="44" dur="1" fill="hold">
+                                          <p:stCondLst>
+                                            <p:cond delay="0"/>
+                                          </p:stCondLst>
+                                        </p:cTn>
+                                        <p:tgtEl>
+                                          <p:spTgt spid="13"/>
+                                        </p:tgtEl>
+                                        <p:attrNameLst>
+                                          <p:attrName>style.visibility</p:attrName>
+                                        </p:attrNameLst>
+                                      </p:cBhvr>
+                                      <p:to>
+                                        <p:strVal val="visible"/>
+                                      </p:to>
+                                    </p:set>
+                                    <p:animEffect transition="in" filter="fade">
+                                      <p:cBhvr>
+                                        <p:cTn id="45" dur="500"/>
+                                        <p:tgtEl>
+                                          <p:spTgt spid="13"/>
+                                        </p:tgtEl>
+                                      </p:cBhvr>
+                                    </p:animEffect>
+                                  </p:childTnLst>
+                                </p:cTn>
+                              </p:par>
+                            </p:childTnLst>
+                          </p:cTn>
+                        </p:par>
+                      </p:childTnLst>
+                    </p:cTn>
+                  </p:par>
+                  <p:par>
+                    <p:cTn id="46" fill="hold">
+                      <p:stCondLst>
+                        <p:cond delay="indefinite"/>
+                      </p:stCondLst>
+                      <p:childTnLst>
+                        <p:par>
+                          <p:cTn id="47" fill="hold">
+                            <p:stCondLst>
+                              <p:cond delay="0"/>
+                            </p:stCondLst>
+                            <p:childTnLst>
+                              <p:par>
+                                <p:cTn id="48" presetID="10" presetClass="entr" presetSubtype="0" fill="hold" nodeType="clickEffect">
+                                  <p:stCondLst>
+                                    <p:cond delay="0"/>
+                                  </p:stCondLst>
+                                  <p:childTnLst>
+                                    <p:set>
+                                      <p:cBhvr>
+                                        <p:cTn id="49" dur="1" fill="hold">
+                                          <p:stCondLst>
+                                            <p:cond delay="0"/>
+                                          </p:stCondLst>
+                                        </p:cTn>
+                                        <p:tgtEl>
+                                          <p:spTgt spid="19"/>
+                                        </p:tgtEl>
+                                        <p:attrNameLst>
+                                          <p:attrName>style.visibility</p:attrName>
+                                        </p:attrNameLst>
+                                      </p:cBhvr>
+                                      <p:to>
+                                        <p:strVal val="visible"/>
+                                      </p:to>
+                                    </p:set>
+                                    <p:animEffect transition="in" filter="fade">
+                                      <p:cBhvr>
+                                        <p:cTn id="50" dur="500"/>
+                                        <p:tgtEl>
+                                          <p:spTgt spid="19"/>
+                                        </p:tgtEl>
+                                      </p:cBhvr>
+                                    </p:animEffect>
+                                  </p:childTnLst>
+                                </p:cTn>
+                              </p:par>
+                            </p:childTnLst>
+                          </p:cTn>
+                        </p:par>
+                      </p:childTnLst>
+                    </p:cTn>
+                  </p:par>
+                  <p:par>
+                    <p:cTn id="51" fill="hold">
+                      <p:stCondLst>
+                        <p:cond delay="indefinite"/>
+                      </p:stCondLst>
+                      <p:childTnLst>
+                        <p:par>
+                          <p:cTn id="52" fill="hold">
+                            <p:stCondLst>
+                              <p:cond delay="0"/>
+                            </p:stCondLst>
+                            <p:childTnLst>
+                              <p:par>
+                                <p:cTn id="53" presetID="10" presetClass="entr" presetSubtype="0" fill="hold" nodeType="clickEffect">
+                                  <p:stCondLst>
+                                    <p:cond delay="0"/>
+                                  </p:stCondLst>
+                                  <p:childTnLst>
+                                    <p:set>
+                                      <p:cBhvr>
+                                        <p:cTn id="54" dur="1" fill="hold">
+                                          <p:stCondLst>
+                                            <p:cond delay="0"/>
+                                          </p:stCondLst>
+                                        </p:cTn>
+                                        <p:tgtEl>
+                                          <p:spTgt spid="14"/>
+                                        </p:tgtEl>
+                                        <p:attrNameLst>
+                                          <p:attrName>style.visibility</p:attrName>
+                                        </p:attrNameLst>
+                                      </p:cBhvr>
+                                      <p:to>
+                                        <p:strVal val="visible"/>
+                                      </p:to>
+                                    </p:set>
+                                    <p:animEffect transition="in" filter="fade">
+                                      <p:cBhvr>
+                                        <p:cTn id="55" dur="500"/>
+                                        <p:tgtEl>
+                                          <p:spTgt spid="14"/>
+                                        </p:tgtEl>
+                                      </p:cBhvr>
+                                    </p:animEffect>
+                                  </p:childTnLst>
+                                </p:cTn>
+                              </p:par>
+                            </p:childTnLst>
+                          </p:cTn>
+                        </p:par>
+                      </p:childTnLst>
+                    </p:cTn>
+                  </p:par>
+                  <p:par>
+                    <p:cTn id="56" fill="hold">
+                      <p:stCondLst>
+                        <p:cond delay="indefinite"/>
+                      </p:stCondLst>
+                      <p:childTnLst>
+                        <p:par>
+                          <p:cTn id="57" fill="hold">
+                            <p:stCondLst>
+                              <p:cond delay="0"/>
+                            </p:stCondLst>
+                            <p:childTnLst>
+                              <p:par>
+                                <p:cTn id="58" presetID="10" presetClass="entr" presetSubtype="0" fill="hold" nodeType="clickEffect">
+                                  <p:stCondLst>
+                                    <p:cond delay="0"/>
+                                  </p:stCondLst>
+                                  <p:childTnLst>
+                                    <p:set>
+                                      <p:cBhvr>
+                                        <p:cTn id="59" dur="1" fill="hold">
+                                          <p:stCondLst>
+                                            <p:cond delay="0"/>
+                                          </p:stCondLst>
+                                        </p:cTn>
+                                        <p:tgtEl>
+                                          <p:spTgt spid="23"/>
+                                        </p:tgtEl>
+                                        <p:attrNameLst>
+                                          <p:attrName>style.visibility</p:attrName>
+                                        </p:attrNameLst>
+                                      </p:cBhvr>
+                                      <p:to>
+                                        <p:strVal val="visible"/>
+                                      </p:to>
+                                    </p:set>
+                                    <p:animEffect transition="in" filter="fade">
+                                      <p:cBhvr>
+                                        <p:cTn id="60" dur="500"/>
+                                        <p:tgtEl>
+                                          <p:spTgt spid="23"/>
+                                        </p:tgtEl>
+                                      </p:cBhvr>
+                                    </p:animEffect>
+                                  </p:childTnLst>
+                                </p:cTn>
+                              </p:par>
+                            </p:childTnLst>
+                          </p:cTn>
+                        </p:par>
+                      </p:childTnLst>
+                    </p:cTn>
+                  </p:par>
+                  <p:par>
+                    <p:cTn id="61" fill="hold">
+                      <p:stCondLst>
+                        <p:cond delay="indefinite"/>
+                      </p:stCondLst>
+                      <p:childTnLst>
+                        <p:par>
+                          <p:cTn id="62" fill="hold">
+                            <p:stCondLst>
+                              <p:cond delay="0"/>
+                            </p:stCondLst>
+                            <p:childTnLst>
+                              <p:par>
+                                <p:cTn id="63" presetID="10" presetClass="entr" presetSubtype="0" fill="hold" nodeType="clickEffect">
+                                  <p:stCondLst>
+                                    <p:cond delay="0"/>
+                                  </p:stCondLst>
+                                  <p:childTnLst>
+                                    <p:set>
+                                      <p:cBhvr>
+                                        <p:cTn id="64" dur="1" fill="hold">
+                                          <p:stCondLst>
+                                            <p:cond delay="0"/>
+                                          </p:stCondLst>
+                                        </p:cTn>
+                                        <p:tgtEl>
+                                          <p:spTgt spid="15"/>
+                                        </p:tgtEl>
+                                        <p:attrNameLst>
+                                          <p:attrName>style.visibility</p:attrName>
+                                        </p:attrNameLst>
+                                      </p:cBhvr>
+                                      <p:to>
+                                        <p:strVal val="visible"/>
+                                      </p:to>
+                                    </p:set>
+                                    <p:animEffect transition="in" filter="fade">
+                                      <p:cBhvr>
+                                        <p:cTn id="65" dur="500"/>
+                                        <p:tgtEl>
+                                          <p:spTgt spid="15"/>
+                                        </p:tgtEl>
+                                      </p:cBhvr>
+                                    </p:animEffect>
+                                  </p:childTnLst>
+                                </p:cTn>
+                              </p:par>
+                            </p:childTnLst>
+                          </p:cTn>
+                        </p:par>
+                      </p:childTnLst>
+                    </p:cTn>
+                  </p:par>
+                  <p:par>
+                    <p:cTn id="66" fill="hold">
+                      <p:stCondLst>
+                        <p:cond delay="indefinite"/>
+                      </p:stCondLst>
+                      <p:childTnLst>
+                        <p:par>
+                          <p:cTn id="67" fill="hold">
+                            <p:stCondLst>
+                              <p:cond delay="0"/>
+                            </p:stCondLst>
+                            <p:childTnLst>
+                              <p:par>
+                                <p:cTn id="68" presetID="10" presetClass="entr" presetSubtype="0" fill="hold" nodeType="clickEffect">
+                                  <p:stCondLst>
+                                    <p:cond delay="0"/>
+                                  </p:stCondLst>
+                                  <p:childTnLst>
+                                    <p:set>
+                                      <p:cBhvr>
+                                        <p:cTn id="69" dur="1" fill="hold">
+                                          <p:stCondLst>
+                                            <p:cond delay="0"/>
+                                          </p:stCondLst>
+                                        </p:cTn>
+                                        <p:tgtEl>
+                                          <p:spTgt spid="18"/>
+                                        </p:tgtEl>
+                                        <p:attrNameLst>
+                                          <p:attrName>style.visibility</p:attrName>
+                                        </p:attrNameLst>
+                                      </p:cBhvr>
+                                      <p:to>
+                                        <p:strVal val="visible"/>
+                                      </p:to>
+                                    </p:set>
+                                    <p:animEffect transition="in" filter="fade">
+                                      <p:cBhvr>
+                                        <p:cTn id="70" dur="500"/>
+                                        <p:tgtEl>
+                                          <p:spTgt spid="18"/>
+                                        </p:tgtEl>
+                                      </p:cBhvr>
+                                    </p:animEffect>
+                                  </p:childTnLst>
+                                </p:cTn>
+                              </p:par>
+                            </p:childTnLst>
+                          </p:cTn>
+                        </p:par>
+                      </p:childTnLst>
+                    </p:cTn>
+                  </p:par>
+                </p:childTnLst>
+              </p:cTn>
+              <p:prevCondLst>
+                <p:cond evt="onPrev" delay="0">
+                  <p:tgtEl>
+                    <p:sldTgt/>
+                  </p:tgtEl>
+                </p:cond>
+              </p:prevCondLst>
+              <p:nextCondLst>
+                <p:cond evt="onNext" delay="0">
+                  <p:tgtEl>
+                    <p:sldTgt/>
+                  </p:tgtEl>
+                </p:cond>
+              </p:nextCondLst>
+            </p:seq>
+          </p:childTnLst>
+        </p:cTn>
+      </p:par>
+    </p:tnLst>
+    <p:bldLst>
+      <p:bldP spid="7" grpId="0"/>
+      <p:bldP spid="8" grpId="0"/>
+      <p:bldP spid="9" grpId="0"/>
+    </p:bldLst>
+  </p:timing>
+</p:sld>
+</file>
+
+<file path=ppt/slides/slide4.xml><?xml version="1.0" encoding="utf-8"?>
 <p:sld xmlns:a="http://schemas.openxmlformats.org/drawingml/2006/main" xmlns:r="http://schemas.openxmlformats.org/officeDocument/2006/relationships" xmlns:p="http://schemas.openxmlformats.org/presentationml/2006/main">
   <p:cSld>
     <p:spTree>
@@ -5309,7 +7871,7 @@
 </p:sld>
 </file>
 
-<file path=ppt/slides/slide4.xml><?xml version="1.0" encoding="utf-8"?>
+<file path=ppt/slides/slide5.xml><?xml version="1.0" encoding="utf-8"?>
 <p:sld xmlns:a="http://schemas.openxmlformats.org/drawingml/2006/main" xmlns:r="http://schemas.openxmlformats.org/officeDocument/2006/relationships" xmlns:p="http://schemas.openxmlformats.org/presentationml/2006/main">
   <p:cSld>
     <p:spTree>
@@ -5369,7 +7931,7 @@
 </p:sld>
 </file>
 
-<file path=ppt/slides/slide5.xml><?xml version="1.0" encoding="utf-8"?>
+<file path=ppt/slides/slide6.xml><?xml version="1.0" encoding="utf-8"?>
 <p:sld xmlns:a="http://schemas.openxmlformats.org/drawingml/2006/main" xmlns:r="http://schemas.openxmlformats.org/officeDocument/2006/relationships" xmlns:p="http://schemas.openxmlformats.org/presentationml/2006/main">
   <p:cSld>
     <p:spTree>
@@ -5429,7 +7991,7 @@
 </p:sld>
 </file>
 
-<file path=ppt/slides/slide6.xml><?xml version="1.0" encoding="utf-8"?>
+<file path=ppt/slides/slide7.xml><?xml version="1.0" encoding="utf-8"?>
 <p:sld xmlns:a="http://schemas.openxmlformats.org/drawingml/2006/main" xmlns:r="http://schemas.openxmlformats.org/officeDocument/2006/relationships" xmlns:p="http://schemas.openxmlformats.org/presentationml/2006/main">
   <p:cSld>
     <p:spTree>
@@ -5489,7 +8051,67 @@
 </p:sld>
 </file>
 
-<file path=ppt/slides/slide7.xml><?xml version="1.0" encoding="utf-8"?>
+<file path=ppt/slides/slide8.xml><?xml version="1.0" encoding="utf-8"?>
+<p:sld xmlns:a="http://schemas.openxmlformats.org/drawingml/2006/main" xmlns:r="http://schemas.openxmlformats.org/officeDocument/2006/relationships" xmlns:p="http://schemas.openxmlformats.org/presentationml/2006/main">
+  <p:cSld>
+    <p:spTree>
+      <p:nvGrpSpPr>
+        <p:cNvPr id="1" name=""/>
+        <p:cNvGrpSpPr/>
+        <p:nvPr/>
+      </p:nvGrpSpPr>
+      <p:grpSpPr>
+        <a:xfrm>
+          <a:off x="0" y="0"/>
+          <a:ext cx="0" cy="0"/>
+          <a:chOff x="0" y="0"/>
+          <a:chExt cx="0" cy="0"/>
+        </a:xfrm>
+      </p:grpSpPr>
+      <p:pic>
+        <p:nvPicPr>
+          <p:cNvPr id="3" name="Picture 2">
+            <a:extLst>
+              <a:ext uri="{FF2B5EF4-FFF2-40B4-BE49-F238E27FC236}">
+                <a16:creationId xmlns:a16="http://schemas.microsoft.com/office/drawing/2014/main" id="{032B883D-B23C-47C7-B03D-81B18DF492FB}"/>
+              </a:ext>
+            </a:extLst>
+          </p:cNvPr>
+          <p:cNvPicPr>
+            <a:picLocks noChangeAspect="1"/>
+          </p:cNvPicPr>
+          <p:nvPr/>
+        </p:nvPicPr>
+        <p:blipFill>
+          <a:blip r:embed="rId3"/>
+          <a:stretch>
+            <a:fillRect/>
+          </a:stretch>
+        </p:blipFill>
+        <p:spPr>
+          <a:xfrm>
+            <a:off x="609600" y="0"/>
+            <a:ext cx="10972800" cy="6858000"/>
+          </a:xfrm>
+          <a:prstGeom prst="rect">
+            <a:avLst/>
+          </a:prstGeom>
+        </p:spPr>
+      </p:pic>
+    </p:spTree>
+    <p:extLst>
+      <p:ext uri="{BB962C8B-B14F-4D97-AF65-F5344CB8AC3E}">
+        <p14:creationId xmlns:p14="http://schemas.microsoft.com/office/powerpoint/2010/main" val="3265660756"/>
+      </p:ext>
+    </p:extLst>
+  </p:cSld>
+  <p:clrMapOvr>
+    <a:masterClrMapping/>
+  </p:clrMapOvr>
+</p:sld>
+</file>
+
+<file path=ppt/slides/slide9.xml><?xml version="1.0" encoding="utf-8"?>
 <p:sld xmlns:a="http://schemas.openxmlformats.org/drawingml/2006/main" xmlns:r="http://schemas.openxmlformats.org/officeDocument/2006/relationships" xmlns:p="http://schemas.openxmlformats.org/presentationml/2006/main">
   <p:cSld>
     <p:spTree>
@@ -5540,126 +8162,6 @@
     <p:extLst>
       <p:ext uri="{BB962C8B-B14F-4D97-AF65-F5344CB8AC3E}">
         <p14:creationId xmlns:p14="http://schemas.microsoft.com/office/powerpoint/2010/main" val="3488365099"/>
-      </p:ext>
-    </p:extLst>
-  </p:cSld>
-  <p:clrMapOvr>
-    <a:masterClrMapping/>
-  </p:clrMapOvr>
-</p:sld>
-</file>
-
-<file path=ppt/slides/slide8.xml><?xml version="1.0" encoding="utf-8"?>
-<p:sld xmlns:a="http://schemas.openxmlformats.org/drawingml/2006/main" xmlns:r="http://schemas.openxmlformats.org/officeDocument/2006/relationships" xmlns:p="http://schemas.openxmlformats.org/presentationml/2006/main">
-  <p:cSld>
-    <p:spTree>
-      <p:nvGrpSpPr>
-        <p:cNvPr id="1" name=""/>
-        <p:cNvGrpSpPr/>
-        <p:nvPr/>
-      </p:nvGrpSpPr>
-      <p:grpSpPr>
-        <a:xfrm>
-          <a:off x="0" y="0"/>
-          <a:ext cx="0" cy="0"/>
-          <a:chOff x="0" y="0"/>
-          <a:chExt cx="0" cy="0"/>
-        </a:xfrm>
-      </p:grpSpPr>
-      <p:pic>
-        <p:nvPicPr>
-          <p:cNvPr id="4" name="Picture 3">
-            <a:extLst>
-              <a:ext uri="{FF2B5EF4-FFF2-40B4-BE49-F238E27FC236}">
-                <a16:creationId xmlns:a16="http://schemas.microsoft.com/office/drawing/2014/main" id="{6E3C403F-77B2-4BA7-A104-34B62A06EDFC}"/>
-              </a:ext>
-            </a:extLst>
-          </p:cNvPr>
-          <p:cNvPicPr>
-            <a:picLocks noChangeAspect="1"/>
-          </p:cNvPicPr>
-          <p:nvPr/>
-        </p:nvPicPr>
-        <p:blipFill>
-          <a:blip r:embed="rId3"/>
-          <a:stretch>
-            <a:fillRect/>
-          </a:stretch>
-        </p:blipFill>
-        <p:spPr>
-          <a:xfrm>
-            <a:off x="609600" y="0"/>
-            <a:ext cx="10972800" cy="6858000"/>
-          </a:xfrm>
-          <a:prstGeom prst="rect">
-            <a:avLst/>
-          </a:prstGeom>
-        </p:spPr>
-      </p:pic>
-    </p:spTree>
-    <p:extLst>
-      <p:ext uri="{BB962C8B-B14F-4D97-AF65-F5344CB8AC3E}">
-        <p14:creationId xmlns:p14="http://schemas.microsoft.com/office/powerpoint/2010/main" val="3892536213"/>
-      </p:ext>
-    </p:extLst>
-  </p:cSld>
-  <p:clrMapOvr>
-    <a:masterClrMapping/>
-  </p:clrMapOvr>
-</p:sld>
-</file>
-
-<file path=ppt/slides/slide9.xml><?xml version="1.0" encoding="utf-8"?>
-<p:sld xmlns:a="http://schemas.openxmlformats.org/drawingml/2006/main" xmlns:r="http://schemas.openxmlformats.org/officeDocument/2006/relationships" xmlns:p="http://schemas.openxmlformats.org/presentationml/2006/main">
-  <p:cSld>
-    <p:spTree>
-      <p:nvGrpSpPr>
-        <p:cNvPr id="1" name=""/>
-        <p:cNvGrpSpPr/>
-        <p:nvPr/>
-      </p:nvGrpSpPr>
-      <p:grpSpPr>
-        <a:xfrm>
-          <a:off x="0" y="0"/>
-          <a:ext cx="0" cy="0"/>
-          <a:chOff x="0" y="0"/>
-          <a:chExt cx="0" cy="0"/>
-        </a:xfrm>
-      </p:grpSpPr>
-      <p:pic>
-        <p:nvPicPr>
-          <p:cNvPr id="3" name="Picture 2">
-            <a:extLst>
-              <a:ext uri="{FF2B5EF4-FFF2-40B4-BE49-F238E27FC236}">
-                <a16:creationId xmlns:a16="http://schemas.microsoft.com/office/drawing/2014/main" id="{36131F50-8FB3-4F6A-866F-DD7F381E60DD}"/>
-              </a:ext>
-            </a:extLst>
-          </p:cNvPr>
-          <p:cNvPicPr>
-            <a:picLocks noChangeAspect="1"/>
-          </p:cNvPicPr>
-          <p:nvPr/>
-        </p:nvPicPr>
-        <p:blipFill>
-          <a:blip r:embed="rId3"/>
-          <a:stretch>
-            <a:fillRect/>
-          </a:stretch>
-        </p:blipFill>
-        <p:spPr>
-          <a:xfrm>
-            <a:off x="609600" y="0"/>
-            <a:ext cx="10972800" cy="6858000"/>
-          </a:xfrm>
-          <a:prstGeom prst="rect">
-            <a:avLst/>
-          </a:prstGeom>
-        </p:spPr>
-      </p:pic>
-    </p:spTree>
-    <p:extLst>
-      <p:ext uri="{BB962C8B-B14F-4D97-AF65-F5344CB8AC3E}">
-        <p14:creationId xmlns:p14="http://schemas.microsoft.com/office/powerpoint/2010/main" val="3393783534"/>
       </p:ext>
     </p:extLst>
   </p:cSld>
